--- a/Genre Classification Poster.pptx
+++ b/Genre Classification Poster.pptx
@@ -10,14 +10,14 @@
   <p:sldIdLst>
     <p:sldId id="264" r:id="rId2"/>
   </p:sldIdLst>
-  <p:sldSz cx="43891200" cy="32918400"/>
-  <p:notesSz cx="6858000" cy="9144000"/>
+  <p:sldSz cx="32918400" cy="21945600"/>
+  <p:notesSz cx="21488400" cy="32461200"/>
   <p:defaultTextStyle>
     <a:defPPr>
       <a:defRPr lang="en-US"/>
     </a:defPPr>
-    <a:lvl1pPr marL="0" algn="l" defTabSz="4389120" rtl="0" eaLnBrk="1" latinLnBrk="0" hangingPunct="1">
-      <a:defRPr sz="8600" kern="1200">
+    <a:lvl1pPr marL="0" algn="l" defTabSz="3134710" rtl="0" eaLnBrk="1" latinLnBrk="0" hangingPunct="1">
+      <a:defRPr sz="6142" kern="1200">
         <a:solidFill>
           <a:schemeClr val="tx1"/>
         </a:solidFill>
@@ -26,8 +26,8 @@
         <a:cs typeface="+mn-cs"/>
       </a:defRPr>
     </a:lvl1pPr>
-    <a:lvl2pPr marL="2194560" algn="l" defTabSz="4389120" rtl="0" eaLnBrk="1" latinLnBrk="0" hangingPunct="1">
-      <a:defRPr sz="8600" kern="1200">
+    <a:lvl2pPr marL="1567355" algn="l" defTabSz="3134710" rtl="0" eaLnBrk="1" latinLnBrk="0" hangingPunct="1">
+      <a:defRPr sz="6142" kern="1200">
         <a:solidFill>
           <a:schemeClr val="tx1"/>
         </a:solidFill>
@@ -36,8 +36,8 @@
         <a:cs typeface="+mn-cs"/>
       </a:defRPr>
     </a:lvl2pPr>
-    <a:lvl3pPr marL="4389120" algn="l" defTabSz="4389120" rtl="0" eaLnBrk="1" latinLnBrk="0" hangingPunct="1">
-      <a:defRPr sz="8600" kern="1200">
+    <a:lvl3pPr marL="3134710" algn="l" defTabSz="3134710" rtl="0" eaLnBrk="1" latinLnBrk="0" hangingPunct="1">
+      <a:defRPr sz="6142" kern="1200">
         <a:solidFill>
           <a:schemeClr val="tx1"/>
         </a:solidFill>
@@ -46,8 +46,8 @@
         <a:cs typeface="+mn-cs"/>
       </a:defRPr>
     </a:lvl3pPr>
-    <a:lvl4pPr marL="6583680" algn="l" defTabSz="4389120" rtl="0" eaLnBrk="1" latinLnBrk="0" hangingPunct="1">
-      <a:defRPr sz="8600" kern="1200">
+    <a:lvl4pPr marL="4702064" algn="l" defTabSz="3134710" rtl="0" eaLnBrk="1" latinLnBrk="0" hangingPunct="1">
+      <a:defRPr sz="6142" kern="1200">
         <a:solidFill>
           <a:schemeClr val="tx1"/>
         </a:solidFill>
@@ -56,8 +56,8 @@
         <a:cs typeface="+mn-cs"/>
       </a:defRPr>
     </a:lvl4pPr>
-    <a:lvl5pPr marL="8778240" algn="l" defTabSz="4389120" rtl="0" eaLnBrk="1" latinLnBrk="0" hangingPunct="1">
-      <a:defRPr sz="8600" kern="1200">
+    <a:lvl5pPr marL="6269419" algn="l" defTabSz="3134710" rtl="0" eaLnBrk="1" latinLnBrk="0" hangingPunct="1">
+      <a:defRPr sz="6142" kern="1200">
         <a:solidFill>
           <a:schemeClr val="tx1"/>
         </a:solidFill>
@@ -66,8 +66,8 @@
         <a:cs typeface="+mn-cs"/>
       </a:defRPr>
     </a:lvl5pPr>
-    <a:lvl6pPr marL="10972800" algn="l" defTabSz="4389120" rtl="0" eaLnBrk="1" latinLnBrk="0" hangingPunct="1">
-      <a:defRPr sz="8600" kern="1200">
+    <a:lvl6pPr marL="7836774" algn="l" defTabSz="3134710" rtl="0" eaLnBrk="1" latinLnBrk="0" hangingPunct="1">
+      <a:defRPr sz="6142" kern="1200">
         <a:solidFill>
           <a:schemeClr val="tx1"/>
         </a:solidFill>
@@ -76,8 +76,8 @@
         <a:cs typeface="+mn-cs"/>
       </a:defRPr>
     </a:lvl6pPr>
-    <a:lvl7pPr marL="13167360" algn="l" defTabSz="4389120" rtl="0" eaLnBrk="1" latinLnBrk="0" hangingPunct="1">
-      <a:defRPr sz="8600" kern="1200">
+    <a:lvl7pPr marL="9404129" algn="l" defTabSz="3134710" rtl="0" eaLnBrk="1" latinLnBrk="0" hangingPunct="1">
+      <a:defRPr sz="6142" kern="1200">
         <a:solidFill>
           <a:schemeClr val="tx1"/>
         </a:solidFill>
@@ -86,8 +86,8 @@
         <a:cs typeface="+mn-cs"/>
       </a:defRPr>
     </a:lvl7pPr>
-    <a:lvl8pPr marL="15361920" algn="l" defTabSz="4389120" rtl="0" eaLnBrk="1" latinLnBrk="0" hangingPunct="1">
-      <a:defRPr sz="8600" kern="1200">
+    <a:lvl8pPr marL="10971483" algn="l" defTabSz="3134710" rtl="0" eaLnBrk="1" latinLnBrk="0" hangingPunct="1">
+      <a:defRPr sz="6142" kern="1200">
         <a:solidFill>
           <a:schemeClr val="tx1"/>
         </a:solidFill>
@@ -96,8 +96,8 @@
         <a:cs typeface="+mn-cs"/>
       </a:defRPr>
     </a:lvl8pPr>
-    <a:lvl9pPr marL="17556480" algn="l" defTabSz="4389120" rtl="0" eaLnBrk="1" latinLnBrk="0" hangingPunct="1">
-      <a:defRPr sz="8600" kern="1200">
+    <a:lvl9pPr marL="12538838" algn="l" defTabSz="3134710" rtl="0" eaLnBrk="1" latinLnBrk="0" hangingPunct="1">
+      <a:defRPr sz="6142" kern="1200">
         <a:solidFill>
           <a:schemeClr val="tx1"/>
         </a:solidFill>
@@ -110,12 +110,12 @@
   <p:extLst>
     <p:ext uri="{EFAFB233-063F-42B5-8137-9DF3F51BA10A}">
       <p15:sldGuideLst xmlns:p15="http://schemas.microsoft.com/office/powerpoint/2012/main">
-        <p15:guide id="1" orient="horz" pos="10368">
+        <p15:guide id="1" orient="horz" pos="6912" userDrawn="1">
           <p15:clr>
             <a:srgbClr val="A4A3A4"/>
           </p15:clr>
         </p15:guide>
-        <p15:guide id="2" pos="13824">
+        <p15:guide id="2" pos="10368" userDrawn="1">
           <p15:clr>
             <a:srgbClr val="A4A3A4"/>
           </p15:clr>
@@ -161,17 +161,17 @@
         <p:spPr>
           <a:xfrm>
             <a:off x="0" y="0"/>
-            <a:ext cx="2971800" cy="458788"/>
+            <a:ext cx="9311640" cy="1628698"/>
           </a:xfrm>
           <a:prstGeom prst="rect">
             <a:avLst/>
           </a:prstGeom>
         </p:spPr>
         <p:txBody>
-          <a:bodyPr vert="horz" lIns="91440" tIns="45720" rIns="91440" bIns="45720" rtlCol="0"/>
+          <a:bodyPr vert="horz" lIns="308233" tIns="154117" rIns="308233" bIns="154117" rtlCol="0"/>
           <a:lstStyle>
             <a:lvl1pPr algn="l">
-              <a:defRPr sz="1200"/>
+              <a:defRPr sz="4100"/>
             </a:lvl1pPr>
           </a:lstStyle>
           <a:p>
@@ -191,18 +191,18 @@
         </p:nvSpPr>
         <p:spPr>
           <a:xfrm>
-            <a:off x="3884613" y="0"/>
-            <a:ext cx="2971800" cy="458788"/>
+            <a:off x="12171787" y="0"/>
+            <a:ext cx="9311640" cy="1628698"/>
           </a:xfrm>
           <a:prstGeom prst="rect">
             <a:avLst/>
           </a:prstGeom>
         </p:spPr>
         <p:txBody>
-          <a:bodyPr vert="horz" lIns="91440" tIns="45720" rIns="91440" bIns="45720" rtlCol="0"/>
+          <a:bodyPr vert="horz" lIns="308233" tIns="154117" rIns="308233" bIns="154117" rtlCol="0"/>
           <a:lstStyle>
             <a:lvl1pPr algn="r">
-              <a:defRPr sz="1200"/>
+              <a:defRPr sz="4100"/>
             </a:lvl1pPr>
           </a:lstStyle>
           <a:p>
@@ -226,8 +226,8 @@
         </p:nvSpPr>
         <p:spPr>
           <a:xfrm>
-            <a:off x="1371600" y="1143000"/>
-            <a:ext cx="4114800" cy="3086100"/>
+            <a:off x="2528888" y="4057650"/>
+            <a:ext cx="16430625" cy="10955338"/>
           </a:xfrm>
           <a:prstGeom prst="rect">
             <a:avLst/>
@@ -240,7 +240,7 @@
           </a:ln>
         </p:spPr>
         <p:txBody>
-          <a:bodyPr vert="horz" lIns="91440" tIns="45720" rIns="91440" bIns="45720" rtlCol="0" anchor="ctr"/>
+          <a:bodyPr vert="horz" lIns="308233" tIns="154117" rIns="308233" bIns="154117" rtlCol="0" anchor="ctr"/>
           <a:lstStyle/>
           <a:p>
             <a:endParaRPr lang="en-US"/>
@@ -259,15 +259,15 @@
         </p:nvSpPr>
         <p:spPr>
           <a:xfrm>
-            <a:off x="685800" y="4400550"/>
-            <a:ext cx="5486400" cy="3600450"/>
+            <a:off x="2148840" y="15621952"/>
+            <a:ext cx="17190720" cy="12781598"/>
           </a:xfrm>
           <a:prstGeom prst="rect">
             <a:avLst/>
           </a:prstGeom>
         </p:spPr>
         <p:txBody>
-          <a:bodyPr vert="horz" lIns="91440" tIns="45720" rIns="91440" bIns="45720" rtlCol="0"/>
+          <a:bodyPr vert="horz" lIns="308233" tIns="154117" rIns="308233" bIns="154117" rtlCol="0"/>
           <a:lstStyle/>
           <a:p>
             <a:pPr lvl="0"/>
@@ -303,7 +303,6 @@
               <a:rPr lang="en-US"/>
               <a:t>Fifth level</a:t>
             </a:r>
-            <a:endParaRPr lang="en-US"/>
           </a:p>
         </p:txBody>
       </p:sp>
@@ -319,18 +318,18 @@
         </p:nvSpPr>
         <p:spPr>
           <a:xfrm>
-            <a:off x="0" y="8685213"/>
-            <a:ext cx="2971800" cy="458787"/>
+            <a:off x="0" y="30832510"/>
+            <a:ext cx="9311640" cy="1628693"/>
           </a:xfrm>
           <a:prstGeom prst="rect">
             <a:avLst/>
           </a:prstGeom>
         </p:spPr>
         <p:txBody>
-          <a:bodyPr vert="horz" lIns="91440" tIns="45720" rIns="91440" bIns="45720" rtlCol="0" anchor="b"/>
+          <a:bodyPr vert="horz" lIns="308233" tIns="154117" rIns="308233" bIns="154117" rtlCol="0" anchor="b"/>
           <a:lstStyle>
             <a:lvl1pPr algn="l">
-              <a:defRPr sz="1200"/>
+              <a:defRPr sz="4100"/>
             </a:lvl1pPr>
           </a:lstStyle>
           <a:p>
@@ -350,18 +349,18 @@
         </p:nvSpPr>
         <p:spPr>
           <a:xfrm>
-            <a:off x="3884613" y="8685213"/>
-            <a:ext cx="2971800" cy="458787"/>
+            <a:off x="12171787" y="30832510"/>
+            <a:ext cx="9311640" cy="1628693"/>
           </a:xfrm>
           <a:prstGeom prst="rect">
             <a:avLst/>
           </a:prstGeom>
         </p:spPr>
         <p:txBody>
-          <a:bodyPr vert="horz" lIns="91440" tIns="45720" rIns="91440" bIns="45720" rtlCol="0" anchor="b"/>
+          <a:bodyPr vert="horz" lIns="308233" tIns="154117" rIns="308233" bIns="154117" rtlCol="0" anchor="b"/>
           <a:lstStyle>
             <a:lvl1pPr algn="r">
-              <a:defRPr sz="1200"/>
+              <a:defRPr sz="4100"/>
             </a:lvl1pPr>
           </a:lstStyle>
           <a:p>
@@ -382,8 +381,8 @@
   </p:cSld>
   <p:clrMap bg1="lt1" tx1="dk1" bg2="lt2" tx2="dk2" accent1="accent1" accent2="accent2" accent3="accent3" accent4="accent4" accent5="accent5" accent6="accent6" hlink="hlink" folHlink="folHlink"/>
   <p:notesStyle>
-    <a:lvl1pPr marL="0" algn="l" defTabSz="914400" rtl="0" eaLnBrk="1" latinLnBrk="0" hangingPunct="1">
-      <a:defRPr sz="1200" kern="1200">
+    <a:lvl1pPr marL="0" algn="l" defTabSz="653064" rtl="0" eaLnBrk="1" latinLnBrk="0" hangingPunct="1">
+      <a:defRPr sz="857" kern="1200">
         <a:solidFill>
           <a:schemeClr val="tx1"/>
         </a:solidFill>
@@ -392,8 +391,8 @@
         <a:cs typeface="+mn-cs"/>
       </a:defRPr>
     </a:lvl1pPr>
-    <a:lvl2pPr marL="457200" algn="l" defTabSz="914400" rtl="0" eaLnBrk="1" latinLnBrk="0" hangingPunct="1">
-      <a:defRPr sz="1200" kern="1200">
+    <a:lvl2pPr marL="326532" algn="l" defTabSz="653064" rtl="0" eaLnBrk="1" latinLnBrk="0" hangingPunct="1">
+      <a:defRPr sz="857" kern="1200">
         <a:solidFill>
           <a:schemeClr val="tx1"/>
         </a:solidFill>
@@ -402,8 +401,8 @@
         <a:cs typeface="+mn-cs"/>
       </a:defRPr>
     </a:lvl2pPr>
-    <a:lvl3pPr marL="914400" algn="l" defTabSz="914400" rtl="0" eaLnBrk="1" latinLnBrk="0" hangingPunct="1">
-      <a:defRPr sz="1200" kern="1200">
+    <a:lvl3pPr marL="653064" algn="l" defTabSz="653064" rtl="0" eaLnBrk="1" latinLnBrk="0" hangingPunct="1">
+      <a:defRPr sz="857" kern="1200">
         <a:solidFill>
           <a:schemeClr val="tx1"/>
         </a:solidFill>
@@ -412,8 +411,8 @@
         <a:cs typeface="+mn-cs"/>
       </a:defRPr>
     </a:lvl3pPr>
-    <a:lvl4pPr marL="1371600" algn="l" defTabSz="914400" rtl="0" eaLnBrk="1" latinLnBrk="0" hangingPunct="1">
-      <a:defRPr sz="1200" kern="1200">
+    <a:lvl4pPr marL="979597" algn="l" defTabSz="653064" rtl="0" eaLnBrk="1" latinLnBrk="0" hangingPunct="1">
+      <a:defRPr sz="857" kern="1200">
         <a:solidFill>
           <a:schemeClr val="tx1"/>
         </a:solidFill>
@@ -422,8 +421,8 @@
         <a:cs typeface="+mn-cs"/>
       </a:defRPr>
     </a:lvl4pPr>
-    <a:lvl5pPr marL="1828800" algn="l" defTabSz="914400" rtl="0" eaLnBrk="1" latinLnBrk="0" hangingPunct="1">
-      <a:defRPr sz="1200" kern="1200">
+    <a:lvl5pPr marL="1306129" algn="l" defTabSz="653064" rtl="0" eaLnBrk="1" latinLnBrk="0" hangingPunct="1">
+      <a:defRPr sz="857" kern="1200">
         <a:solidFill>
           <a:schemeClr val="tx1"/>
         </a:solidFill>
@@ -432,8 +431,8 @@
         <a:cs typeface="+mn-cs"/>
       </a:defRPr>
     </a:lvl5pPr>
-    <a:lvl6pPr marL="2286000" algn="l" defTabSz="914400" rtl="0" eaLnBrk="1" latinLnBrk="0" hangingPunct="1">
-      <a:defRPr sz="1200" kern="1200">
+    <a:lvl6pPr marL="1632661" algn="l" defTabSz="653064" rtl="0" eaLnBrk="1" latinLnBrk="0" hangingPunct="1">
+      <a:defRPr sz="857" kern="1200">
         <a:solidFill>
           <a:schemeClr val="tx1"/>
         </a:solidFill>
@@ -442,8 +441,8 @@
         <a:cs typeface="+mn-cs"/>
       </a:defRPr>
     </a:lvl6pPr>
-    <a:lvl7pPr marL="2743200" algn="l" defTabSz="914400" rtl="0" eaLnBrk="1" latinLnBrk="0" hangingPunct="1">
-      <a:defRPr sz="1200" kern="1200">
+    <a:lvl7pPr marL="1959193" algn="l" defTabSz="653064" rtl="0" eaLnBrk="1" latinLnBrk="0" hangingPunct="1">
+      <a:defRPr sz="857" kern="1200">
         <a:solidFill>
           <a:schemeClr val="tx1"/>
         </a:solidFill>
@@ -452,8 +451,8 @@
         <a:cs typeface="+mn-cs"/>
       </a:defRPr>
     </a:lvl7pPr>
-    <a:lvl8pPr marL="3200400" algn="l" defTabSz="914400" rtl="0" eaLnBrk="1" latinLnBrk="0" hangingPunct="1">
-      <a:defRPr sz="1200" kern="1200">
+    <a:lvl8pPr marL="2285726" algn="l" defTabSz="653064" rtl="0" eaLnBrk="1" latinLnBrk="0" hangingPunct="1">
+      <a:defRPr sz="857" kern="1200">
         <a:solidFill>
           <a:schemeClr val="tx1"/>
         </a:solidFill>
@@ -462,8 +461,8 @@
         <a:cs typeface="+mn-cs"/>
       </a:defRPr>
     </a:lvl8pPr>
-    <a:lvl9pPr marL="3657600" algn="l" defTabSz="914400" rtl="0" eaLnBrk="1" latinLnBrk="0" hangingPunct="1">
-      <a:defRPr sz="1200" kern="1200">
+    <a:lvl9pPr marL="2612258" algn="l" defTabSz="653064" rtl="0" eaLnBrk="1" latinLnBrk="0" hangingPunct="1">
+      <a:defRPr sz="857" kern="1200">
         <a:solidFill>
           <a:schemeClr val="tx1"/>
         </a:solidFill>
@@ -503,7 +502,12 @@
             <p:ph type="sldImg"/>
           </p:nvPr>
         </p:nvSpPr>
-        <p:spPr/>
+        <p:spPr>
+          <a:xfrm>
+            <a:off x="2528888" y="4057650"/>
+            <a:ext cx="16430625" cy="10955338"/>
+          </a:xfrm>
+        </p:spPr>
       </p:sp>
       <p:sp>
         <p:nvSpPr>
@@ -589,8 +593,8 @@
         </p:nvSpPr>
         <p:spPr>
           <a:xfrm>
-            <a:off x="3291840" y="10226042"/>
-            <a:ext cx="37307520" cy="7056120"/>
+            <a:off x="2468880" y="6817361"/>
+            <a:ext cx="27980640" cy="4704080"/>
           </a:xfrm>
         </p:spPr>
         <p:txBody>
@@ -616,8 +620,8 @@
         </p:nvSpPr>
         <p:spPr>
           <a:xfrm>
-            <a:off x="6583680" y="18653760"/>
-            <a:ext cx="30723840" cy="8412480"/>
+            <a:off x="4937760" y="12435840"/>
+            <a:ext cx="23042880" cy="5608320"/>
           </a:xfrm>
         </p:spPr>
         <p:txBody>
@@ -633,7 +637,7 @@
                 </a:solidFill>
               </a:defRPr>
             </a:lvl1pPr>
-            <a:lvl2pPr marL="2194560" indent="0" algn="ctr">
+            <a:lvl2pPr marL="1463113" indent="0" algn="ctr">
               <a:buNone/>
               <a:defRPr>
                 <a:solidFill>
@@ -643,7 +647,7 @@
                 </a:solidFill>
               </a:defRPr>
             </a:lvl2pPr>
-            <a:lvl3pPr marL="4389120" indent="0" algn="ctr">
+            <a:lvl3pPr marL="2926226" indent="0" algn="ctr">
               <a:buNone/>
               <a:defRPr>
                 <a:solidFill>
@@ -653,7 +657,7 @@
                 </a:solidFill>
               </a:defRPr>
             </a:lvl3pPr>
-            <a:lvl4pPr marL="6583680" indent="0" algn="ctr">
+            <a:lvl4pPr marL="4389339" indent="0" algn="ctr">
               <a:buNone/>
               <a:defRPr>
                 <a:solidFill>
@@ -663,7 +667,7 @@
                 </a:solidFill>
               </a:defRPr>
             </a:lvl4pPr>
-            <a:lvl5pPr marL="8778240" indent="0" algn="ctr">
+            <a:lvl5pPr marL="5852453" indent="0" algn="ctr">
               <a:buNone/>
               <a:defRPr>
                 <a:solidFill>
@@ -673,7 +677,7 @@
                 </a:solidFill>
               </a:defRPr>
             </a:lvl5pPr>
-            <a:lvl6pPr marL="10972800" indent="0" algn="ctr">
+            <a:lvl6pPr marL="7315566" indent="0" algn="ctr">
               <a:buNone/>
               <a:defRPr>
                 <a:solidFill>
@@ -683,7 +687,7 @@
                 </a:solidFill>
               </a:defRPr>
             </a:lvl6pPr>
-            <a:lvl7pPr marL="13167360" indent="0" algn="ctr">
+            <a:lvl7pPr marL="8778679" indent="0" algn="ctr">
               <a:buNone/>
               <a:defRPr>
                 <a:solidFill>
@@ -693,7 +697,7 @@
                 </a:solidFill>
               </a:defRPr>
             </a:lvl7pPr>
-            <a:lvl8pPr marL="15361920" indent="0" algn="ctr">
+            <a:lvl8pPr marL="10241792" indent="0" algn="ctr">
               <a:buNone/>
               <a:defRPr>
                 <a:solidFill>
@@ -703,7 +707,7 @@
                 </a:solidFill>
               </a:defRPr>
             </a:lvl8pPr>
-            <a:lvl9pPr marL="17556480" indent="0" algn="ctr">
+            <a:lvl9pPr marL="11704905" indent="0" algn="ctr">
               <a:buNone/>
               <a:defRPr>
                 <a:solidFill>
@@ -991,8 +995,8 @@
         </p:nvSpPr>
         <p:spPr>
           <a:xfrm>
-            <a:off x="152742905" y="6324600"/>
-            <a:ext cx="47404018" cy="134820662"/>
+            <a:off x="114557179" y="4216400"/>
+            <a:ext cx="35553014" cy="89880441"/>
           </a:xfrm>
         </p:spPr>
         <p:txBody>
@@ -1018,8 +1022,8 @@
         </p:nvSpPr>
         <p:spPr>
           <a:xfrm>
-            <a:off x="10530843" y="6324600"/>
-            <a:ext cx="141480542" cy="134820662"/>
+            <a:off x="7898132" y="4216400"/>
+            <a:ext cx="106110407" cy="89880441"/>
           </a:xfrm>
         </p:spPr>
         <p:txBody>
@@ -1331,15 +1335,15 @@
         </p:nvSpPr>
         <p:spPr>
           <a:xfrm>
-            <a:off x="3467102" y="21153122"/>
-            <a:ext cx="37307520" cy="6537960"/>
+            <a:off x="2600326" y="14102081"/>
+            <a:ext cx="27980640" cy="4358640"/>
           </a:xfrm>
         </p:spPr>
         <p:txBody>
           <a:bodyPr anchor="t"/>
           <a:lstStyle>
             <a:lvl1pPr algn="l">
-              <a:defRPr sz="19200" b="1" cap="all"/>
+              <a:defRPr sz="12801" b="1" cap="all"/>
             </a:lvl1pPr>
           </a:lstStyle>
           <a:p>
@@ -1362,8 +1366,8 @@
         </p:nvSpPr>
         <p:spPr>
           <a:xfrm>
-            <a:off x="3467102" y="13952225"/>
-            <a:ext cx="37307520" cy="7200898"/>
+            <a:off x="2600326" y="9301483"/>
+            <a:ext cx="27980640" cy="4800599"/>
           </a:xfrm>
         </p:spPr>
         <p:txBody>
@@ -1371,7 +1375,7 @@
           <a:lstStyle>
             <a:lvl1pPr marL="0" indent="0">
               <a:buNone/>
-              <a:defRPr sz="9600">
+              <a:defRPr sz="6400">
                 <a:solidFill>
                   <a:schemeClr val="tx1">
                     <a:tint val="75000"/>
@@ -1379,9 +1383,9 @@
                 </a:solidFill>
               </a:defRPr>
             </a:lvl1pPr>
-            <a:lvl2pPr marL="2194560" indent="0">
-              <a:buNone/>
-              <a:defRPr sz="8600">
+            <a:lvl2pPr marL="1463113" indent="0">
+              <a:buNone/>
+              <a:defRPr sz="5734">
                 <a:solidFill>
                   <a:schemeClr val="tx1">
                     <a:tint val="75000"/>
@@ -1389,9 +1393,9 @@
                 </a:solidFill>
               </a:defRPr>
             </a:lvl2pPr>
-            <a:lvl3pPr marL="4389120" indent="0">
-              <a:buNone/>
-              <a:defRPr sz="7700">
+            <a:lvl3pPr marL="2926226" indent="0">
+              <a:buNone/>
+              <a:defRPr sz="5134">
                 <a:solidFill>
                   <a:schemeClr val="tx1">
                     <a:tint val="75000"/>
@@ -1399,9 +1403,9 @@
                 </a:solidFill>
               </a:defRPr>
             </a:lvl3pPr>
-            <a:lvl4pPr marL="6583680" indent="0">
-              <a:buNone/>
-              <a:defRPr sz="6700">
+            <a:lvl4pPr marL="4389339" indent="0">
+              <a:buNone/>
+              <a:defRPr sz="4467">
                 <a:solidFill>
                   <a:schemeClr val="tx1">
                     <a:tint val="75000"/>
@@ -1409,9 +1413,9 @@
                 </a:solidFill>
               </a:defRPr>
             </a:lvl4pPr>
-            <a:lvl5pPr marL="8778240" indent="0">
-              <a:buNone/>
-              <a:defRPr sz="6700">
+            <a:lvl5pPr marL="5852453" indent="0">
+              <a:buNone/>
+              <a:defRPr sz="4467">
                 <a:solidFill>
                   <a:schemeClr val="tx1">
                     <a:tint val="75000"/>
@@ -1419,9 +1423,9 @@
                 </a:solidFill>
               </a:defRPr>
             </a:lvl5pPr>
-            <a:lvl6pPr marL="10972800" indent="0">
-              <a:buNone/>
-              <a:defRPr sz="6700">
+            <a:lvl6pPr marL="7315566" indent="0">
+              <a:buNone/>
+              <a:defRPr sz="4467">
                 <a:solidFill>
                   <a:schemeClr val="tx1">
                     <a:tint val="75000"/>
@@ -1429,9 +1433,9 @@
                 </a:solidFill>
               </a:defRPr>
             </a:lvl6pPr>
-            <a:lvl7pPr marL="13167360" indent="0">
-              <a:buNone/>
-              <a:defRPr sz="6700">
+            <a:lvl7pPr marL="8778679" indent="0">
+              <a:buNone/>
+              <a:defRPr sz="4467">
                 <a:solidFill>
                   <a:schemeClr val="tx1">
                     <a:tint val="75000"/>
@@ -1439,9 +1443,9 @@
                 </a:solidFill>
               </a:defRPr>
             </a:lvl7pPr>
-            <a:lvl8pPr marL="15361920" indent="0">
-              <a:buNone/>
-              <a:defRPr sz="6700">
+            <a:lvl8pPr marL="10241792" indent="0">
+              <a:buNone/>
+              <a:defRPr sz="4467">
                 <a:solidFill>
                   <a:schemeClr val="tx1">
                     <a:tint val="75000"/>
@@ -1449,9 +1453,9 @@
                 </a:solidFill>
               </a:defRPr>
             </a:lvl8pPr>
-            <a:lvl9pPr marL="17556480" indent="0">
-              <a:buNone/>
-              <a:defRPr sz="6700">
+            <a:lvl9pPr marL="11704905" indent="0">
+              <a:buNone/>
+              <a:defRPr sz="4467">
                 <a:solidFill>
                   <a:schemeClr val="tx1">
                     <a:tint val="75000"/>
@@ -1595,39 +1599,39 @@
         </p:nvSpPr>
         <p:spPr>
           <a:xfrm>
-            <a:off x="10530842" y="36865560"/>
-            <a:ext cx="94442280" cy="104279702"/>
+            <a:off x="7898132" y="24577040"/>
+            <a:ext cx="70831710" cy="69519801"/>
           </a:xfrm>
         </p:spPr>
         <p:txBody>
           <a:bodyPr/>
           <a:lstStyle>
             <a:lvl1pPr>
-              <a:defRPr sz="13400"/>
+              <a:defRPr sz="8934"/>
             </a:lvl1pPr>
             <a:lvl2pPr>
-              <a:defRPr sz="11500"/>
+              <a:defRPr sz="7667"/>
             </a:lvl2pPr>
             <a:lvl3pPr>
-              <a:defRPr sz="9600"/>
+              <a:defRPr sz="6400"/>
             </a:lvl3pPr>
             <a:lvl4pPr>
-              <a:defRPr sz="8600"/>
+              <a:defRPr sz="5734"/>
             </a:lvl4pPr>
             <a:lvl5pPr>
-              <a:defRPr sz="8600"/>
+              <a:defRPr sz="5734"/>
             </a:lvl5pPr>
             <a:lvl6pPr>
-              <a:defRPr sz="8600"/>
+              <a:defRPr sz="5734"/>
             </a:lvl6pPr>
             <a:lvl7pPr>
-              <a:defRPr sz="8600"/>
+              <a:defRPr sz="5734"/>
             </a:lvl7pPr>
             <a:lvl8pPr>
-              <a:defRPr sz="8600"/>
+              <a:defRPr sz="5734"/>
             </a:lvl8pPr>
             <a:lvl9pPr>
-              <a:defRPr sz="8600"/>
+              <a:defRPr sz="5734"/>
             </a:lvl9pPr>
           </a:lstStyle>
           <a:p>
@@ -1679,39 +1683,39 @@
         </p:nvSpPr>
         <p:spPr>
           <a:xfrm>
-            <a:off x="105704642" y="36865560"/>
-            <a:ext cx="94442280" cy="104279702"/>
+            <a:off x="79278482" y="24577040"/>
+            <a:ext cx="70831710" cy="69519801"/>
           </a:xfrm>
         </p:spPr>
         <p:txBody>
           <a:bodyPr/>
           <a:lstStyle>
             <a:lvl1pPr>
-              <a:defRPr sz="13400"/>
+              <a:defRPr sz="8934"/>
             </a:lvl1pPr>
             <a:lvl2pPr>
-              <a:defRPr sz="11500"/>
+              <a:defRPr sz="7667"/>
             </a:lvl2pPr>
             <a:lvl3pPr>
-              <a:defRPr sz="9600"/>
+              <a:defRPr sz="6400"/>
             </a:lvl3pPr>
             <a:lvl4pPr>
-              <a:defRPr sz="8600"/>
+              <a:defRPr sz="5734"/>
             </a:lvl4pPr>
             <a:lvl5pPr>
-              <a:defRPr sz="8600"/>
+              <a:defRPr sz="5734"/>
             </a:lvl5pPr>
             <a:lvl6pPr>
-              <a:defRPr sz="8600"/>
+              <a:defRPr sz="5734"/>
             </a:lvl6pPr>
             <a:lvl7pPr>
-              <a:defRPr sz="8600"/>
+              <a:defRPr sz="5734"/>
             </a:lvl7pPr>
             <a:lvl8pPr>
-              <a:defRPr sz="8600"/>
+              <a:defRPr sz="5734"/>
             </a:lvl8pPr>
             <a:lvl9pPr>
-              <a:defRPr sz="8600"/>
+              <a:defRPr sz="5734"/>
             </a:lvl9pPr>
           </a:lstStyle>
           <a:p>
@@ -1855,8 +1859,8 @@
         </p:nvSpPr>
         <p:spPr>
           <a:xfrm>
-            <a:off x="2194560" y="1318262"/>
-            <a:ext cx="39502080" cy="5486400"/>
+            <a:off x="1645920" y="878841"/>
+            <a:ext cx="29626560" cy="3657600"/>
           </a:xfrm>
         </p:spPr>
         <p:txBody>
@@ -1886,8 +1890,8 @@
         </p:nvSpPr>
         <p:spPr>
           <a:xfrm>
-            <a:off x="2194560" y="7368542"/>
-            <a:ext cx="19392902" cy="3070858"/>
+            <a:off x="1645920" y="4912361"/>
+            <a:ext cx="14544677" cy="2047239"/>
           </a:xfrm>
         </p:spPr>
         <p:txBody>
@@ -1895,39 +1899,39 @@
           <a:lstStyle>
             <a:lvl1pPr marL="0" indent="0">
               <a:buNone/>
-              <a:defRPr sz="11500" b="1"/>
+              <a:defRPr sz="7667" b="1"/>
             </a:lvl1pPr>
-            <a:lvl2pPr marL="2194560" indent="0">
-              <a:buNone/>
-              <a:defRPr sz="9600" b="1"/>
+            <a:lvl2pPr marL="1463113" indent="0">
+              <a:buNone/>
+              <a:defRPr sz="6400" b="1"/>
             </a:lvl2pPr>
-            <a:lvl3pPr marL="4389120" indent="0">
-              <a:buNone/>
-              <a:defRPr sz="8600" b="1"/>
+            <a:lvl3pPr marL="2926226" indent="0">
+              <a:buNone/>
+              <a:defRPr sz="5734" b="1"/>
             </a:lvl3pPr>
-            <a:lvl4pPr marL="6583680" indent="0">
-              <a:buNone/>
-              <a:defRPr sz="7700" b="1"/>
+            <a:lvl4pPr marL="4389339" indent="0">
+              <a:buNone/>
+              <a:defRPr sz="5134" b="1"/>
             </a:lvl4pPr>
-            <a:lvl5pPr marL="8778240" indent="0">
-              <a:buNone/>
-              <a:defRPr sz="7700" b="1"/>
+            <a:lvl5pPr marL="5852453" indent="0">
+              <a:buNone/>
+              <a:defRPr sz="5134" b="1"/>
             </a:lvl5pPr>
-            <a:lvl6pPr marL="10972800" indent="0">
-              <a:buNone/>
-              <a:defRPr sz="7700" b="1"/>
+            <a:lvl6pPr marL="7315566" indent="0">
+              <a:buNone/>
+              <a:defRPr sz="5134" b="1"/>
             </a:lvl6pPr>
-            <a:lvl7pPr marL="13167360" indent="0">
-              <a:buNone/>
-              <a:defRPr sz="7700" b="1"/>
+            <a:lvl7pPr marL="8778679" indent="0">
+              <a:buNone/>
+              <a:defRPr sz="5134" b="1"/>
             </a:lvl7pPr>
-            <a:lvl8pPr marL="15361920" indent="0">
-              <a:buNone/>
-              <a:defRPr sz="7700" b="1"/>
+            <a:lvl8pPr marL="10241792" indent="0">
+              <a:buNone/>
+              <a:defRPr sz="5134" b="1"/>
             </a:lvl8pPr>
-            <a:lvl9pPr marL="17556480" indent="0">
-              <a:buNone/>
-              <a:defRPr sz="7700" b="1"/>
+            <a:lvl9pPr marL="11704905" indent="0">
+              <a:buNone/>
+              <a:defRPr sz="5134" b="1"/>
             </a:lvl9pPr>
           </a:lstStyle>
           <a:p>
@@ -1951,39 +1955,39 @@
         </p:nvSpPr>
         <p:spPr>
           <a:xfrm>
-            <a:off x="2194560" y="10439400"/>
-            <a:ext cx="19392902" cy="18966182"/>
+            <a:off x="1645920" y="6959600"/>
+            <a:ext cx="14544677" cy="12644121"/>
           </a:xfrm>
         </p:spPr>
         <p:txBody>
           <a:bodyPr/>
           <a:lstStyle>
             <a:lvl1pPr>
-              <a:defRPr sz="11500"/>
+              <a:defRPr sz="7667"/>
             </a:lvl1pPr>
             <a:lvl2pPr>
-              <a:defRPr sz="9600"/>
+              <a:defRPr sz="6400"/>
             </a:lvl2pPr>
             <a:lvl3pPr>
-              <a:defRPr sz="8600"/>
+              <a:defRPr sz="5734"/>
             </a:lvl3pPr>
             <a:lvl4pPr>
-              <a:defRPr sz="7700"/>
+              <a:defRPr sz="5134"/>
             </a:lvl4pPr>
             <a:lvl5pPr>
-              <a:defRPr sz="7700"/>
+              <a:defRPr sz="5134"/>
             </a:lvl5pPr>
             <a:lvl6pPr>
-              <a:defRPr sz="7700"/>
+              <a:defRPr sz="5134"/>
             </a:lvl6pPr>
             <a:lvl7pPr>
-              <a:defRPr sz="7700"/>
+              <a:defRPr sz="5134"/>
             </a:lvl7pPr>
             <a:lvl8pPr>
-              <a:defRPr sz="7700"/>
+              <a:defRPr sz="5134"/>
             </a:lvl8pPr>
             <a:lvl9pPr>
-              <a:defRPr sz="7700"/>
+              <a:defRPr sz="5134"/>
             </a:lvl9pPr>
           </a:lstStyle>
           <a:p>
@@ -2035,8 +2039,8 @@
         </p:nvSpPr>
         <p:spPr>
           <a:xfrm>
-            <a:off x="22296122" y="7368542"/>
-            <a:ext cx="19400520" cy="3070858"/>
+            <a:off x="16722092" y="4912361"/>
+            <a:ext cx="14550390" cy="2047239"/>
           </a:xfrm>
         </p:spPr>
         <p:txBody>
@@ -2044,39 +2048,39 @@
           <a:lstStyle>
             <a:lvl1pPr marL="0" indent="0">
               <a:buNone/>
-              <a:defRPr sz="11500" b="1"/>
+              <a:defRPr sz="7667" b="1"/>
             </a:lvl1pPr>
-            <a:lvl2pPr marL="2194560" indent="0">
-              <a:buNone/>
-              <a:defRPr sz="9600" b="1"/>
+            <a:lvl2pPr marL="1463113" indent="0">
+              <a:buNone/>
+              <a:defRPr sz="6400" b="1"/>
             </a:lvl2pPr>
-            <a:lvl3pPr marL="4389120" indent="0">
-              <a:buNone/>
-              <a:defRPr sz="8600" b="1"/>
+            <a:lvl3pPr marL="2926226" indent="0">
+              <a:buNone/>
+              <a:defRPr sz="5734" b="1"/>
             </a:lvl3pPr>
-            <a:lvl4pPr marL="6583680" indent="0">
-              <a:buNone/>
-              <a:defRPr sz="7700" b="1"/>
+            <a:lvl4pPr marL="4389339" indent="0">
+              <a:buNone/>
+              <a:defRPr sz="5134" b="1"/>
             </a:lvl4pPr>
-            <a:lvl5pPr marL="8778240" indent="0">
-              <a:buNone/>
-              <a:defRPr sz="7700" b="1"/>
+            <a:lvl5pPr marL="5852453" indent="0">
+              <a:buNone/>
+              <a:defRPr sz="5134" b="1"/>
             </a:lvl5pPr>
-            <a:lvl6pPr marL="10972800" indent="0">
-              <a:buNone/>
-              <a:defRPr sz="7700" b="1"/>
+            <a:lvl6pPr marL="7315566" indent="0">
+              <a:buNone/>
+              <a:defRPr sz="5134" b="1"/>
             </a:lvl6pPr>
-            <a:lvl7pPr marL="13167360" indent="0">
-              <a:buNone/>
-              <a:defRPr sz="7700" b="1"/>
+            <a:lvl7pPr marL="8778679" indent="0">
+              <a:buNone/>
+              <a:defRPr sz="5134" b="1"/>
             </a:lvl7pPr>
-            <a:lvl8pPr marL="15361920" indent="0">
-              <a:buNone/>
-              <a:defRPr sz="7700" b="1"/>
+            <a:lvl8pPr marL="10241792" indent="0">
+              <a:buNone/>
+              <a:defRPr sz="5134" b="1"/>
             </a:lvl8pPr>
-            <a:lvl9pPr marL="17556480" indent="0">
-              <a:buNone/>
-              <a:defRPr sz="7700" b="1"/>
+            <a:lvl9pPr marL="11704905" indent="0">
+              <a:buNone/>
+              <a:defRPr sz="5134" b="1"/>
             </a:lvl9pPr>
           </a:lstStyle>
           <a:p>
@@ -2100,39 +2104,39 @@
         </p:nvSpPr>
         <p:spPr>
           <a:xfrm>
-            <a:off x="22296122" y="10439400"/>
-            <a:ext cx="19400520" cy="18966182"/>
+            <a:off x="16722092" y="6959600"/>
+            <a:ext cx="14550390" cy="12644121"/>
           </a:xfrm>
         </p:spPr>
         <p:txBody>
           <a:bodyPr/>
           <a:lstStyle>
             <a:lvl1pPr>
-              <a:defRPr sz="11500"/>
+              <a:defRPr sz="7667"/>
             </a:lvl1pPr>
             <a:lvl2pPr>
-              <a:defRPr sz="9600"/>
+              <a:defRPr sz="6400"/>
             </a:lvl2pPr>
             <a:lvl3pPr>
-              <a:defRPr sz="8600"/>
+              <a:defRPr sz="5734"/>
             </a:lvl3pPr>
             <a:lvl4pPr>
-              <a:defRPr sz="7700"/>
+              <a:defRPr sz="5134"/>
             </a:lvl4pPr>
             <a:lvl5pPr>
-              <a:defRPr sz="7700"/>
+              <a:defRPr sz="5134"/>
             </a:lvl5pPr>
             <a:lvl6pPr>
-              <a:defRPr sz="7700"/>
+              <a:defRPr sz="5134"/>
             </a:lvl6pPr>
             <a:lvl7pPr>
-              <a:defRPr sz="7700"/>
+              <a:defRPr sz="5134"/>
             </a:lvl7pPr>
             <a:lvl8pPr>
-              <a:defRPr sz="7700"/>
+              <a:defRPr sz="5134"/>
             </a:lvl8pPr>
             <a:lvl9pPr>
-              <a:defRPr sz="7700"/>
+              <a:defRPr sz="5134"/>
             </a:lvl9pPr>
           </a:lstStyle>
           <a:p>
@@ -2482,15 +2486,15 @@
         </p:nvSpPr>
         <p:spPr>
           <a:xfrm>
-            <a:off x="2194563" y="1310640"/>
-            <a:ext cx="14439902" cy="5577840"/>
+            <a:off x="1645922" y="873760"/>
+            <a:ext cx="10829927" cy="3718560"/>
           </a:xfrm>
         </p:spPr>
         <p:txBody>
           <a:bodyPr anchor="b"/>
           <a:lstStyle>
             <a:lvl1pPr algn="l">
-              <a:defRPr sz="9600" b="1"/>
+              <a:defRPr sz="6400" b="1"/>
             </a:lvl1pPr>
           </a:lstStyle>
           <a:p>
@@ -2513,39 +2517,39 @@
         </p:nvSpPr>
         <p:spPr>
           <a:xfrm>
-            <a:off x="17160240" y="1310643"/>
-            <a:ext cx="24536400" cy="28094942"/>
+            <a:off x="12870180" y="873762"/>
+            <a:ext cx="18402300" cy="18729961"/>
           </a:xfrm>
         </p:spPr>
         <p:txBody>
           <a:bodyPr/>
           <a:lstStyle>
             <a:lvl1pPr>
-              <a:defRPr sz="15400"/>
+              <a:defRPr sz="10267"/>
             </a:lvl1pPr>
             <a:lvl2pPr>
-              <a:defRPr sz="13400"/>
+              <a:defRPr sz="8934"/>
             </a:lvl2pPr>
             <a:lvl3pPr>
-              <a:defRPr sz="11500"/>
+              <a:defRPr sz="7667"/>
             </a:lvl3pPr>
             <a:lvl4pPr>
-              <a:defRPr sz="9600"/>
+              <a:defRPr sz="6400"/>
             </a:lvl4pPr>
             <a:lvl5pPr>
-              <a:defRPr sz="9600"/>
+              <a:defRPr sz="6400"/>
             </a:lvl5pPr>
             <a:lvl6pPr>
-              <a:defRPr sz="9600"/>
+              <a:defRPr sz="6400"/>
             </a:lvl6pPr>
             <a:lvl7pPr>
-              <a:defRPr sz="9600"/>
+              <a:defRPr sz="6400"/>
             </a:lvl7pPr>
             <a:lvl8pPr>
-              <a:defRPr sz="9600"/>
+              <a:defRPr sz="6400"/>
             </a:lvl8pPr>
             <a:lvl9pPr>
-              <a:defRPr sz="9600"/>
+              <a:defRPr sz="6400"/>
             </a:lvl9pPr>
           </a:lstStyle>
           <a:p>
@@ -2597,8 +2601,8 @@
         </p:nvSpPr>
         <p:spPr>
           <a:xfrm>
-            <a:off x="2194563" y="6888483"/>
-            <a:ext cx="14439902" cy="22517102"/>
+            <a:off x="1645922" y="4592322"/>
+            <a:ext cx="10829927" cy="15011401"/>
           </a:xfrm>
         </p:spPr>
         <p:txBody>
@@ -2606,39 +2610,39 @@
           <a:lstStyle>
             <a:lvl1pPr marL="0" indent="0">
               <a:buNone/>
-              <a:defRPr sz="6700"/>
+              <a:defRPr sz="4467"/>
             </a:lvl1pPr>
-            <a:lvl2pPr marL="2194560" indent="0">
-              <a:buNone/>
-              <a:defRPr sz="5800"/>
+            <a:lvl2pPr marL="1463113" indent="0">
+              <a:buNone/>
+              <a:defRPr sz="3867"/>
             </a:lvl2pPr>
-            <a:lvl3pPr marL="4389120" indent="0">
-              <a:buNone/>
-              <a:defRPr sz="4800"/>
+            <a:lvl3pPr marL="2926226" indent="0">
+              <a:buNone/>
+              <a:defRPr sz="3200"/>
             </a:lvl3pPr>
-            <a:lvl4pPr marL="6583680" indent="0">
-              <a:buNone/>
-              <a:defRPr sz="4300"/>
+            <a:lvl4pPr marL="4389339" indent="0">
+              <a:buNone/>
+              <a:defRPr sz="2867"/>
             </a:lvl4pPr>
-            <a:lvl5pPr marL="8778240" indent="0">
-              <a:buNone/>
-              <a:defRPr sz="4300"/>
+            <a:lvl5pPr marL="5852453" indent="0">
+              <a:buNone/>
+              <a:defRPr sz="2867"/>
             </a:lvl5pPr>
-            <a:lvl6pPr marL="10972800" indent="0">
-              <a:buNone/>
-              <a:defRPr sz="4300"/>
+            <a:lvl6pPr marL="7315566" indent="0">
+              <a:buNone/>
+              <a:defRPr sz="2867"/>
             </a:lvl6pPr>
-            <a:lvl7pPr marL="13167360" indent="0">
-              <a:buNone/>
-              <a:defRPr sz="4300"/>
+            <a:lvl7pPr marL="8778679" indent="0">
+              <a:buNone/>
+              <a:defRPr sz="2867"/>
             </a:lvl7pPr>
-            <a:lvl8pPr marL="15361920" indent="0">
-              <a:buNone/>
-              <a:defRPr sz="4300"/>
+            <a:lvl8pPr marL="10241792" indent="0">
+              <a:buNone/>
+              <a:defRPr sz="2867"/>
             </a:lvl8pPr>
-            <a:lvl9pPr marL="17556480" indent="0">
-              <a:buNone/>
-              <a:defRPr sz="4300"/>
+            <a:lvl9pPr marL="11704905" indent="0">
+              <a:buNone/>
+              <a:defRPr sz="2867"/>
             </a:lvl9pPr>
           </a:lstStyle>
           <a:p>
@@ -2754,15 +2758,15 @@
         </p:nvSpPr>
         <p:spPr>
           <a:xfrm>
-            <a:off x="8602982" y="23042880"/>
-            <a:ext cx="26334720" cy="2720342"/>
+            <a:off x="6452237" y="15361920"/>
+            <a:ext cx="19751040" cy="1813561"/>
           </a:xfrm>
         </p:spPr>
         <p:txBody>
           <a:bodyPr anchor="b"/>
           <a:lstStyle>
             <a:lvl1pPr algn="l">
-              <a:defRPr sz="9600" b="1"/>
+              <a:defRPr sz="6400" b="1"/>
             </a:lvl1pPr>
           </a:lstStyle>
           <a:p>
@@ -2785,8 +2789,8 @@
         </p:nvSpPr>
         <p:spPr>
           <a:xfrm>
-            <a:off x="8602982" y="2941320"/>
-            <a:ext cx="26334720" cy="19751040"/>
+            <a:off x="6452237" y="1960880"/>
+            <a:ext cx="19751040" cy="13167360"/>
           </a:xfrm>
         </p:spPr>
         <p:txBody>
@@ -2794,39 +2798,39 @@
           <a:lstStyle>
             <a:lvl1pPr marL="0" indent="0">
               <a:buNone/>
-              <a:defRPr sz="15400"/>
+              <a:defRPr sz="10267"/>
             </a:lvl1pPr>
-            <a:lvl2pPr marL="2194560" indent="0">
-              <a:buNone/>
-              <a:defRPr sz="13400"/>
+            <a:lvl2pPr marL="1463113" indent="0">
+              <a:buNone/>
+              <a:defRPr sz="8934"/>
             </a:lvl2pPr>
-            <a:lvl3pPr marL="4389120" indent="0">
-              <a:buNone/>
-              <a:defRPr sz="11500"/>
+            <a:lvl3pPr marL="2926226" indent="0">
+              <a:buNone/>
+              <a:defRPr sz="7667"/>
             </a:lvl3pPr>
-            <a:lvl4pPr marL="6583680" indent="0">
-              <a:buNone/>
-              <a:defRPr sz="9600"/>
+            <a:lvl4pPr marL="4389339" indent="0">
+              <a:buNone/>
+              <a:defRPr sz="6400"/>
             </a:lvl4pPr>
-            <a:lvl5pPr marL="8778240" indent="0">
-              <a:buNone/>
-              <a:defRPr sz="9600"/>
+            <a:lvl5pPr marL="5852453" indent="0">
+              <a:buNone/>
+              <a:defRPr sz="6400"/>
             </a:lvl5pPr>
-            <a:lvl6pPr marL="10972800" indent="0">
-              <a:buNone/>
-              <a:defRPr sz="9600"/>
+            <a:lvl6pPr marL="7315566" indent="0">
+              <a:buNone/>
+              <a:defRPr sz="6400"/>
             </a:lvl6pPr>
-            <a:lvl7pPr marL="13167360" indent="0">
-              <a:buNone/>
-              <a:defRPr sz="9600"/>
+            <a:lvl7pPr marL="8778679" indent="0">
+              <a:buNone/>
+              <a:defRPr sz="6400"/>
             </a:lvl7pPr>
-            <a:lvl8pPr marL="15361920" indent="0">
-              <a:buNone/>
-              <a:defRPr sz="9600"/>
+            <a:lvl8pPr marL="10241792" indent="0">
+              <a:buNone/>
+              <a:defRPr sz="6400"/>
             </a:lvl8pPr>
-            <a:lvl9pPr marL="17556480" indent="0">
-              <a:buNone/>
-              <a:defRPr sz="9600"/>
+            <a:lvl9pPr marL="11704905" indent="0">
+              <a:buNone/>
+              <a:defRPr sz="6400"/>
             </a:lvl9pPr>
           </a:lstStyle>
           <a:p>
@@ -2846,8 +2850,8 @@
         </p:nvSpPr>
         <p:spPr>
           <a:xfrm>
-            <a:off x="8602982" y="25763222"/>
-            <a:ext cx="26334720" cy="3863338"/>
+            <a:off x="6452237" y="17175481"/>
+            <a:ext cx="19751040" cy="2575559"/>
           </a:xfrm>
         </p:spPr>
         <p:txBody>
@@ -2855,39 +2859,39 @@
           <a:lstStyle>
             <a:lvl1pPr marL="0" indent="0">
               <a:buNone/>
-              <a:defRPr sz="6700"/>
+              <a:defRPr sz="4467"/>
             </a:lvl1pPr>
-            <a:lvl2pPr marL="2194560" indent="0">
-              <a:buNone/>
-              <a:defRPr sz="5800"/>
+            <a:lvl2pPr marL="1463113" indent="0">
+              <a:buNone/>
+              <a:defRPr sz="3867"/>
             </a:lvl2pPr>
-            <a:lvl3pPr marL="4389120" indent="0">
-              <a:buNone/>
-              <a:defRPr sz="4800"/>
+            <a:lvl3pPr marL="2926226" indent="0">
+              <a:buNone/>
+              <a:defRPr sz="3200"/>
             </a:lvl3pPr>
-            <a:lvl4pPr marL="6583680" indent="0">
-              <a:buNone/>
-              <a:defRPr sz="4300"/>
+            <a:lvl4pPr marL="4389339" indent="0">
+              <a:buNone/>
+              <a:defRPr sz="2867"/>
             </a:lvl4pPr>
-            <a:lvl5pPr marL="8778240" indent="0">
-              <a:buNone/>
-              <a:defRPr sz="4300"/>
+            <a:lvl5pPr marL="5852453" indent="0">
+              <a:buNone/>
+              <a:defRPr sz="2867"/>
             </a:lvl5pPr>
-            <a:lvl6pPr marL="10972800" indent="0">
-              <a:buNone/>
-              <a:defRPr sz="4300"/>
+            <a:lvl6pPr marL="7315566" indent="0">
+              <a:buNone/>
+              <a:defRPr sz="2867"/>
             </a:lvl6pPr>
-            <a:lvl7pPr marL="13167360" indent="0">
-              <a:buNone/>
-              <a:defRPr sz="4300"/>
+            <a:lvl7pPr marL="8778679" indent="0">
+              <a:buNone/>
+              <a:defRPr sz="2867"/>
             </a:lvl7pPr>
-            <a:lvl8pPr marL="15361920" indent="0">
-              <a:buNone/>
-              <a:defRPr sz="4300"/>
+            <a:lvl8pPr marL="10241792" indent="0">
+              <a:buNone/>
+              <a:defRPr sz="2867"/>
             </a:lvl8pPr>
-            <a:lvl9pPr marL="17556480" indent="0">
-              <a:buNone/>
-              <a:defRPr sz="4300"/>
+            <a:lvl9pPr marL="11704905" indent="0">
+              <a:buNone/>
+              <a:defRPr sz="2867"/>
             </a:lvl9pPr>
           </a:lstStyle>
           <a:p>
@@ -3011,8 +3015,8 @@
         </p:nvSpPr>
         <p:spPr>
           <a:xfrm>
-            <a:off x="2194560" y="1318262"/>
-            <a:ext cx="39502080" cy="5486400"/>
+            <a:off x="1645920" y="878841"/>
+            <a:ext cx="29626560" cy="3657600"/>
           </a:xfrm>
           <a:prstGeom prst="rect">
             <a:avLst/>
@@ -3043,8 +3047,8 @@
         </p:nvSpPr>
         <p:spPr>
           <a:xfrm>
-            <a:off x="2194560" y="7680963"/>
-            <a:ext cx="39502080" cy="21724622"/>
+            <a:off x="1645920" y="5120642"/>
+            <a:ext cx="29626560" cy="14483081"/>
           </a:xfrm>
           <a:prstGeom prst="rect">
             <a:avLst/>
@@ -3104,8 +3108,8 @@
         </p:nvSpPr>
         <p:spPr>
           <a:xfrm>
-            <a:off x="2194560" y="30510482"/>
-            <a:ext cx="10241280" cy="1752600"/>
+            <a:off x="1645920" y="20340321"/>
+            <a:ext cx="7680960" cy="1168400"/>
           </a:xfrm>
           <a:prstGeom prst="rect">
             <a:avLst/>
@@ -3115,7 +3119,7 @@
           <a:bodyPr vert="horz" lIns="438912" tIns="219456" rIns="438912" bIns="219456" rtlCol="0" anchor="ctr"/>
           <a:lstStyle>
             <a:lvl1pPr algn="l">
-              <a:defRPr sz="5800">
+              <a:defRPr sz="3867">
                 <a:solidFill>
                   <a:schemeClr val="tx1">
                     <a:tint val="75000"/>
@@ -3146,8 +3150,8 @@
         </p:nvSpPr>
         <p:spPr>
           <a:xfrm>
-            <a:off x="14996160" y="30510482"/>
-            <a:ext cx="13898880" cy="1752600"/>
+            <a:off x="11247120" y="20340321"/>
+            <a:ext cx="10424160" cy="1168400"/>
           </a:xfrm>
           <a:prstGeom prst="rect">
             <a:avLst/>
@@ -3157,7 +3161,7 @@
           <a:bodyPr vert="horz" lIns="438912" tIns="219456" rIns="438912" bIns="219456" rtlCol="0" anchor="ctr"/>
           <a:lstStyle>
             <a:lvl1pPr algn="ctr">
-              <a:defRPr sz="5800">
+              <a:defRPr sz="3867">
                 <a:solidFill>
                   <a:schemeClr val="tx1">
                     <a:tint val="75000"/>
@@ -3183,8 +3187,8 @@
         </p:nvSpPr>
         <p:spPr>
           <a:xfrm>
-            <a:off x="31455360" y="30510482"/>
-            <a:ext cx="10241280" cy="1752600"/>
+            <a:off x="23591520" y="20340321"/>
+            <a:ext cx="7680960" cy="1168400"/>
           </a:xfrm>
           <a:prstGeom prst="rect">
             <a:avLst/>
@@ -3194,7 +3198,7 @@
           <a:bodyPr vert="horz" lIns="438912" tIns="219456" rIns="438912" bIns="219456" rtlCol="0" anchor="ctr"/>
           <a:lstStyle>
             <a:lvl1pPr algn="r">
-              <a:defRPr sz="5800">
+              <a:defRPr sz="3867">
                 <a:solidFill>
                   <a:schemeClr val="tx1">
                     <a:tint val="75000"/>
@@ -3231,12 +3235,12 @@
   </p:sldLayoutIdLst>
   <p:txStyles>
     <p:titleStyle>
-      <a:lvl1pPr algn="ctr" defTabSz="4389120" rtl="0" eaLnBrk="1" latinLnBrk="0" hangingPunct="1">
+      <a:lvl1pPr algn="ctr" defTabSz="2926226" rtl="0" eaLnBrk="1" latinLnBrk="0" hangingPunct="1">
         <a:spcBef>
           <a:spcPct val="0"/>
         </a:spcBef>
         <a:buNone/>
-        <a:defRPr sz="21100" kern="1200">
+        <a:defRPr sz="14067" kern="1200">
           <a:solidFill>
             <a:schemeClr val="tx1"/>
           </a:solidFill>
@@ -3247,13 +3251,13 @@
       </a:lvl1pPr>
     </p:titleStyle>
     <p:bodyStyle>
-      <a:lvl1pPr marL="1645920" indent="-1645920" algn="l" defTabSz="4389120" rtl="0" eaLnBrk="1" latinLnBrk="0" hangingPunct="1">
+      <a:lvl1pPr marL="1097335" indent="-1097335" algn="l" defTabSz="2926226" rtl="0" eaLnBrk="1" latinLnBrk="0" hangingPunct="1">
         <a:spcBef>
           <a:spcPct val="20000"/>
         </a:spcBef>
         <a:buFont typeface="Arial" pitchFamily="34" charset="0"/>
         <a:buChar char="•"/>
-        <a:defRPr sz="15400" kern="1200">
+        <a:defRPr sz="10267" kern="1200">
           <a:solidFill>
             <a:schemeClr val="tx1"/>
           </a:solidFill>
@@ -3262,13 +3266,13 @@
           <a:cs typeface="+mn-cs"/>
         </a:defRPr>
       </a:lvl1pPr>
-      <a:lvl2pPr marL="3566160" indent="-1371600" algn="l" defTabSz="4389120" rtl="0" eaLnBrk="1" latinLnBrk="0" hangingPunct="1">
+      <a:lvl2pPr marL="2377559" indent="-914446" algn="l" defTabSz="2926226" rtl="0" eaLnBrk="1" latinLnBrk="0" hangingPunct="1">
         <a:spcBef>
           <a:spcPct val="20000"/>
         </a:spcBef>
         <a:buFont typeface="Arial" pitchFamily="34" charset="0"/>
         <a:buChar char="–"/>
-        <a:defRPr sz="13400" kern="1200">
+        <a:defRPr sz="8934" kern="1200">
           <a:solidFill>
             <a:schemeClr val="tx1"/>
           </a:solidFill>
@@ -3277,13 +3281,13 @@
           <a:cs typeface="+mn-cs"/>
         </a:defRPr>
       </a:lvl2pPr>
-      <a:lvl3pPr marL="5486400" indent="-1097280" algn="l" defTabSz="4389120" rtl="0" eaLnBrk="1" latinLnBrk="0" hangingPunct="1">
+      <a:lvl3pPr marL="3657783" indent="-731557" algn="l" defTabSz="2926226" rtl="0" eaLnBrk="1" latinLnBrk="0" hangingPunct="1">
         <a:spcBef>
           <a:spcPct val="20000"/>
         </a:spcBef>
         <a:buFont typeface="Arial" pitchFamily="34" charset="0"/>
         <a:buChar char="•"/>
-        <a:defRPr sz="11500" kern="1200">
+        <a:defRPr sz="7667" kern="1200">
           <a:solidFill>
             <a:schemeClr val="tx1"/>
           </a:solidFill>
@@ -3292,13 +3296,13 @@
           <a:cs typeface="+mn-cs"/>
         </a:defRPr>
       </a:lvl3pPr>
-      <a:lvl4pPr marL="7680960" indent="-1097280" algn="l" defTabSz="4389120" rtl="0" eaLnBrk="1" latinLnBrk="0" hangingPunct="1">
+      <a:lvl4pPr marL="5120896" indent="-731557" algn="l" defTabSz="2926226" rtl="0" eaLnBrk="1" latinLnBrk="0" hangingPunct="1">
         <a:spcBef>
           <a:spcPct val="20000"/>
         </a:spcBef>
         <a:buFont typeface="Arial" pitchFamily="34" charset="0"/>
         <a:buChar char="–"/>
-        <a:defRPr sz="9600" kern="1200">
+        <a:defRPr sz="6400" kern="1200">
           <a:solidFill>
             <a:schemeClr val="tx1"/>
           </a:solidFill>
@@ -3307,13 +3311,13 @@
           <a:cs typeface="+mn-cs"/>
         </a:defRPr>
       </a:lvl4pPr>
-      <a:lvl5pPr marL="9875520" indent="-1097280" algn="l" defTabSz="4389120" rtl="0" eaLnBrk="1" latinLnBrk="0" hangingPunct="1">
+      <a:lvl5pPr marL="6584009" indent="-731557" algn="l" defTabSz="2926226" rtl="0" eaLnBrk="1" latinLnBrk="0" hangingPunct="1">
         <a:spcBef>
           <a:spcPct val="20000"/>
         </a:spcBef>
         <a:buFont typeface="Arial" pitchFamily="34" charset="0"/>
         <a:buChar char="»"/>
-        <a:defRPr sz="9600" kern="1200">
+        <a:defRPr sz="6400" kern="1200">
           <a:solidFill>
             <a:schemeClr val="tx1"/>
           </a:solidFill>
@@ -3322,13 +3326,13 @@
           <a:cs typeface="+mn-cs"/>
         </a:defRPr>
       </a:lvl5pPr>
-      <a:lvl6pPr marL="12070080" indent="-1097280" algn="l" defTabSz="4389120" rtl="0" eaLnBrk="1" latinLnBrk="0" hangingPunct="1">
+      <a:lvl6pPr marL="8047122" indent="-731557" algn="l" defTabSz="2926226" rtl="0" eaLnBrk="1" latinLnBrk="0" hangingPunct="1">
         <a:spcBef>
           <a:spcPct val="20000"/>
         </a:spcBef>
         <a:buFont typeface="Arial" pitchFamily="34" charset="0"/>
         <a:buChar char="•"/>
-        <a:defRPr sz="9600" kern="1200">
+        <a:defRPr sz="6400" kern="1200">
           <a:solidFill>
             <a:schemeClr val="tx1"/>
           </a:solidFill>
@@ -3337,13 +3341,13 @@
           <a:cs typeface="+mn-cs"/>
         </a:defRPr>
       </a:lvl6pPr>
-      <a:lvl7pPr marL="14264640" indent="-1097280" algn="l" defTabSz="4389120" rtl="0" eaLnBrk="1" latinLnBrk="0" hangingPunct="1">
+      <a:lvl7pPr marL="9510235" indent="-731557" algn="l" defTabSz="2926226" rtl="0" eaLnBrk="1" latinLnBrk="0" hangingPunct="1">
         <a:spcBef>
           <a:spcPct val="20000"/>
         </a:spcBef>
         <a:buFont typeface="Arial" pitchFamily="34" charset="0"/>
         <a:buChar char="•"/>
-        <a:defRPr sz="9600" kern="1200">
+        <a:defRPr sz="6400" kern="1200">
           <a:solidFill>
             <a:schemeClr val="tx1"/>
           </a:solidFill>
@@ -3352,13 +3356,13 @@
           <a:cs typeface="+mn-cs"/>
         </a:defRPr>
       </a:lvl7pPr>
-      <a:lvl8pPr marL="16459200" indent="-1097280" algn="l" defTabSz="4389120" rtl="0" eaLnBrk="1" latinLnBrk="0" hangingPunct="1">
+      <a:lvl8pPr marL="10973349" indent="-731557" algn="l" defTabSz="2926226" rtl="0" eaLnBrk="1" latinLnBrk="0" hangingPunct="1">
         <a:spcBef>
           <a:spcPct val="20000"/>
         </a:spcBef>
         <a:buFont typeface="Arial" pitchFamily="34" charset="0"/>
         <a:buChar char="•"/>
-        <a:defRPr sz="9600" kern="1200">
+        <a:defRPr sz="6400" kern="1200">
           <a:solidFill>
             <a:schemeClr val="tx1"/>
           </a:solidFill>
@@ -3367,13 +3371,13 @@
           <a:cs typeface="+mn-cs"/>
         </a:defRPr>
       </a:lvl8pPr>
-      <a:lvl9pPr marL="18653760" indent="-1097280" algn="l" defTabSz="4389120" rtl="0" eaLnBrk="1" latinLnBrk="0" hangingPunct="1">
+      <a:lvl9pPr marL="12436462" indent="-731557" algn="l" defTabSz="2926226" rtl="0" eaLnBrk="1" latinLnBrk="0" hangingPunct="1">
         <a:spcBef>
           <a:spcPct val="20000"/>
         </a:spcBef>
         <a:buFont typeface="Arial" pitchFamily="34" charset="0"/>
         <a:buChar char="•"/>
-        <a:defRPr sz="9600" kern="1200">
+        <a:defRPr sz="6400" kern="1200">
           <a:solidFill>
             <a:schemeClr val="tx1"/>
           </a:solidFill>
@@ -3387,8 +3391,8 @@
       <a:defPPr>
         <a:defRPr lang="en-US"/>
       </a:defPPr>
-      <a:lvl1pPr marL="0" algn="l" defTabSz="4389120" rtl="0" eaLnBrk="1" latinLnBrk="0" hangingPunct="1">
-        <a:defRPr sz="8600" kern="1200">
+      <a:lvl1pPr marL="0" algn="l" defTabSz="2926226" rtl="0" eaLnBrk="1" latinLnBrk="0" hangingPunct="1">
+        <a:defRPr sz="5734" kern="1200">
           <a:solidFill>
             <a:schemeClr val="tx1"/>
           </a:solidFill>
@@ -3397,8 +3401,8 @@
           <a:cs typeface="+mn-cs"/>
         </a:defRPr>
       </a:lvl1pPr>
-      <a:lvl2pPr marL="2194560" algn="l" defTabSz="4389120" rtl="0" eaLnBrk="1" latinLnBrk="0" hangingPunct="1">
-        <a:defRPr sz="8600" kern="1200">
+      <a:lvl2pPr marL="1463113" algn="l" defTabSz="2926226" rtl="0" eaLnBrk="1" latinLnBrk="0" hangingPunct="1">
+        <a:defRPr sz="5734" kern="1200">
           <a:solidFill>
             <a:schemeClr val="tx1"/>
           </a:solidFill>
@@ -3407,8 +3411,8 @@
           <a:cs typeface="+mn-cs"/>
         </a:defRPr>
       </a:lvl2pPr>
-      <a:lvl3pPr marL="4389120" algn="l" defTabSz="4389120" rtl="0" eaLnBrk="1" latinLnBrk="0" hangingPunct="1">
-        <a:defRPr sz="8600" kern="1200">
+      <a:lvl3pPr marL="2926226" algn="l" defTabSz="2926226" rtl="0" eaLnBrk="1" latinLnBrk="0" hangingPunct="1">
+        <a:defRPr sz="5734" kern="1200">
           <a:solidFill>
             <a:schemeClr val="tx1"/>
           </a:solidFill>
@@ -3417,8 +3421,8 @@
           <a:cs typeface="+mn-cs"/>
         </a:defRPr>
       </a:lvl3pPr>
-      <a:lvl4pPr marL="6583680" algn="l" defTabSz="4389120" rtl="0" eaLnBrk="1" latinLnBrk="0" hangingPunct="1">
-        <a:defRPr sz="8600" kern="1200">
+      <a:lvl4pPr marL="4389339" algn="l" defTabSz="2926226" rtl="0" eaLnBrk="1" latinLnBrk="0" hangingPunct="1">
+        <a:defRPr sz="5734" kern="1200">
           <a:solidFill>
             <a:schemeClr val="tx1"/>
           </a:solidFill>
@@ -3427,8 +3431,8 @@
           <a:cs typeface="+mn-cs"/>
         </a:defRPr>
       </a:lvl4pPr>
-      <a:lvl5pPr marL="8778240" algn="l" defTabSz="4389120" rtl="0" eaLnBrk="1" latinLnBrk="0" hangingPunct="1">
-        <a:defRPr sz="8600" kern="1200">
+      <a:lvl5pPr marL="5852453" algn="l" defTabSz="2926226" rtl="0" eaLnBrk="1" latinLnBrk="0" hangingPunct="1">
+        <a:defRPr sz="5734" kern="1200">
           <a:solidFill>
             <a:schemeClr val="tx1"/>
           </a:solidFill>
@@ -3437,8 +3441,8 @@
           <a:cs typeface="+mn-cs"/>
         </a:defRPr>
       </a:lvl5pPr>
-      <a:lvl6pPr marL="10972800" algn="l" defTabSz="4389120" rtl="0" eaLnBrk="1" latinLnBrk="0" hangingPunct="1">
-        <a:defRPr sz="8600" kern="1200">
+      <a:lvl6pPr marL="7315566" algn="l" defTabSz="2926226" rtl="0" eaLnBrk="1" latinLnBrk="0" hangingPunct="1">
+        <a:defRPr sz="5734" kern="1200">
           <a:solidFill>
             <a:schemeClr val="tx1"/>
           </a:solidFill>
@@ -3447,8 +3451,8 @@
           <a:cs typeface="+mn-cs"/>
         </a:defRPr>
       </a:lvl6pPr>
-      <a:lvl7pPr marL="13167360" algn="l" defTabSz="4389120" rtl="0" eaLnBrk="1" latinLnBrk="0" hangingPunct="1">
-        <a:defRPr sz="8600" kern="1200">
+      <a:lvl7pPr marL="8778679" algn="l" defTabSz="2926226" rtl="0" eaLnBrk="1" latinLnBrk="0" hangingPunct="1">
+        <a:defRPr sz="5734" kern="1200">
           <a:solidFill>
             <a:schemeClr val="tx1"/>
           </a:solidFill>
@@ -3457,8 +3461,8 @@
           <a:cs typeface="+mn-cs"/>
         </a:defRPr>
       </a:lvl7pPr>
-      <a:lvl8pPr marL="15361920" algn="l" defTabSz="4389120" rtl="0" eaLnBrk="1" latinLnBrk="0" hangingPunct="1">
-        <a:defRPr sz="8600" kern="1200">
+      <a:lvl8pPr marL="10241792" algn="l" defTabSz="2926226" rtl="0" eaLnBrk="1" latinLnBrk="0" hangingPunct="1">
+        <a:defRPr sz="5734" kern="1200">
           <a:solidFill>
             <a:schemeClr val="tx1"/>
           </a:solidFill>
@@ -3467,8 +3471,8 @@
           <a:cs typeface="+mn-cs"/>
         </a:defRPr>
       </a:lvl8pPr>
-      <a:lvl9pPr marL="17556480" algn="l" defTabSz="4389120" rtl="0" eaLnBrk="1" latinLnBrk="0" hangingPunct="1">
-        <a:defRPr sz="8600" kern="1200">
+      <a:lvl9pPr marL="11704905" algn="l" defTabSz="2926226" rtl="0" eaLnBrk="1" latinLnBrk="0" hangingPunct="1">
+        <a:defRPr sz="5734" kern="1200">
           <a:solidFill>
             <a:schemeClr val="tx1"/>
           </a:solidFill>
@@ -3501,149 +3505,14 @@
       </p:grpSpPr>
       <p:sp>
         <p:nvSpPr>
-          <p:cNvPr id="5" name="Rectangle 4"/>
-          <p:cNvSpPr/>
-          <p:nvPr/>
-        </p:nvSpPr>
-        <p:spPr>
-          <a:xfrm>
-            <a:off x="0" y="0"/>
-            <a:ext cx="43891200" cy="4267200"/>
-          </a:xfrm>
-          <a:prstGeom prst="rect">
-            <a:avLst/>
-          </a:prstGeom>
-          <a:solidFill>
-            <a:srgbClr val="571963"/>
-          </a:solidFill>
-          <a:ln>
-            <a:noFill/>
-          </a:ln>
-        </p:spPr>
-        <p:style>
-          <a:lnRef idx="2">
-            <a:schemeClr val="accent1">
-              <a:shade val="50000"/>
-            </a:schemeClr>
-          </a:lnRef>
-          <a:fillRef idx="1">
-            <a:schemeClr val="accent1"/>
-          </a:fillRef>
-          <a:effectRef idx="0">
-            <a:schemeClr val="accent1"/>
-          </a:effectRef>
-          <a:fontRef idx="minor">
-            <a:schemeClr val="lt1"/>
-          </a:fontRef>
-        </p:style>
-        <p:txBody>
-          <a:bodyPr rtlCol="0" anchor="ctr"/>
-          <a:lstStyle/>
-          <a:p>
-            <a:pPr algn="ctr"/>
-            <a:endParaRPr lang="en-US">
-              <a:latin typeface="Helvetica" panose="020B0604020202020204" pitchFamily="34" charset="0"/>
-              <a:cs typeface="Helvetica" panose="020B0604020202020204" pitchFamily="34" charset="0"/>
-            </a:endParaRPr>
-          </a:p>
-        </p:txBody>
-      </p:sp>
-      <p:sp>
-        <p:nvSpPr>
-          <p:cNvPr id="6" name="TextBox 5"/>
-          <p:cNvSpPr txBox="1"/>
-          <p:nvPr/>
-        </p:nvSpPr>
-        <p:spPr>
-          <a:xfrm>
-            <a:off x="0" y="550545"/>
-            <a:ext cx="43891200" cy="2954655"/>
-          </a:xfrm>
-          <a:prstGeom prst="rect">
-            <a:avLst/>
-          </a:prstGeom>
-          <a:noFill/>
-        </p:spPr>
-        <p:txBody>
-          <a:bodyPr wrap="square" rtlCol="0">
-            <a:spAutoFit/>
-          </a:bodyPr>
-          <a:lstStyle/>
-          <a:p>
-            <a:pPr algn="ctr"/>
-            <a:r>
-              <a:rPr lang="en-US" dirty="0">
-                <a:solidFill>
-                  <a:schemeClr val="bg1"/>
-                </a:solidFill>
-                <a:latin typeface="Helvetica" panose="020B0604020202020204" pitchFamily="34" charset="0"/>
-                <a:cs typeface="Helvetica" panose="020B0604020202020204" pitchFamily="34" charset="0"/>
-              </a:rPr>
-              <a:t>POSTER TITLE</a:t>
-            </a:r>
-          </a:p>
-          <a:p>
-            <a:pPr algn="ctr"/>
-            <a:r>
-              <a:rPr lang="en-US" sz="5600" dirty="0">
-                <a:solidFill>
-                  <a:schemeClr val="bg1"/>
-                </a:solidFill>
-                <a:latin typeface="Helvetica" panose="020B0604020202020204" pitchFamily="34" charset="0"/>
-                <a:cs typeface="Helvetica" panose="020B0604020202020204" pitchFamily="34" charset="0"/>
-              </a:rPr>
-              <a:t>Author List</a:t>
-            </a:r>
-          </a:p>
-          <a:p>
-            <a:pPr algn="ctr"/>
-            <a:r>
-              <a:rPr lang="en-US" sz="4400" dirty="0">
-                <a:solidFill>
-                  <a:schemeClr val="bg1"/>
-                </a:solidFill>
-                <a:latin typeface="Helvetica" panose="020B0604020202020204" pitchFamily="34" charset="0"/>
-                <a:cs typeface="Helvetica" panose="020B0604020202020204" pitchFamily="34" charset="0"/>
-              </a:rPr>
-              <a:t>Department of Biomedical Engineering, Northwestern University, Evanston, IL, USA</a:t>
-            </a:r>
-          </a:p>
-        </p:txBody>
-      </p:sp>
-      <p:pic>
-        <p:nvPicPr>
-          <p:cNvPr id="11" name="Picture 10" descr="NU_Logo_white.png"/>
-          <p:cNvPicPr>
-            <a:picLocks noChangeAspect="1"/>
-          </p:cNvPicPr>
-          <p:nvPr/>
-        </p:nvPicPr>
-        <p:blipFill>
-          <a:blip r:embed="rId3" cstate="print"/>
-          <a:stretch>
-            <a:fillRect/>
-          </a:stretch>
-        </p:blipFill>
-        <p:spPr>
-          <a:xfrm>
-            <a:off x="1066800" y="228600"/>
-            <a:ext cx="6113233" cy="3657600"/>
-          </a:xfrm>
-          <a:prstGeom prst="rect">
-            <a:avLst/>
-          </a:prstGeom>
-        </p:spPr>
-      </p:pic>
-      <p:sp>
-        <p:nvSpPr>
           <p:cNvPr id="43" name="TextBox 42"/>
           <p:cNvSpPr txBox="1"/>
           <p:nvPr/>
         </p:nvSpPr>
         <p:spPr>
           <a:xfrm>
-            <a:off x="612126" y="4699179"/>
-            <a:ext cx="13716000" cy="1077218"/>
+            <a:off x="1219200" y="2973543"/>
+            <a:ext cx="9144000" cy="728533"/>
           </a:xfrm>
           <a:prstGeom prst="rect">
             <a:avLst/>
@@ -3660,7 +3529,7 @@
           <a:p>
             <a:pPr algn="ctr"/>
             <a:r>
-              <a:rPr lang="en-US" sz="6200" b="1" dirty="0">
+              <a:rPr lang="en-US" sz="4134" b="1" dirty="0">
                 <a:solidFill>
                   <a:schemeClr val="bg1"/>
                 </a:solidFill>
@@ -3680,8 +3549,8 @@
         </p:nvSpPr>
         <p:spPr>
           <a:xfrm>
-            <a:off x="15087600" y="4648200"/>
-            <a:ext cx="13716000" cy="1077218"/>
+            <a:off x="11868376" y="2953357"/>
+            <a:ext cx="9144000" cy="728533"/>
           </a:xfrm>
           <a:prstGeom prst="rect">
             <a:avLst/>
@@ -3698,7 +3567,7 @@
           <a:p>
             <a:pPr algn="ctr"/>
             <a:r>
-              <a:rPr lang="en-US" sz="6200" b="1" dirty="0">
+              <a:rPr lang="en-US" sz="4134" b="1" dirty="0">
                 <a:solidFill>
                   <a:schemeClr val="bg1"/>
                 </a:solidFill>
@@ -3718,8 +3587,8 @@
         </p:nvSpPr>
         <p:spPr>
           <a:xfrm>
-            <a:off x="29870400" y="4648200"/>
-            <a:ext cx="13716000" cy="1077218"/>
+            <a:off x="22707600" y="2953357"/>
+            <a:ext cx="9144000" cy="728533"/>
           </a:xfrm>
           <a:prstGeom prst="rect">
             <a:avLst/>
@@ -3736,7 +3605,7 @@
           <a:p>
             <a:pPr algn="ctr"/>
             <a:r>
-              <a:rPr lang="en-US" sz="6200" b="1" dirty="0">
+              <a:rPr lang="en-US" sz="4134" b="1" dirty="0">
                 <a:solidFill>
                   <a:schemeClr val="bg1"/>
                 </a:solidFill>
@@ -3756,8 +3625,8 @@
         </p:nvSpPr>
         <p:spPr>
           <a:xfrm>
-            <a:off x="497826" y="17035292"/>
-            <a:ext cx="13487400" cy="2800767"/>
+            <a:off x="1143000" y="11363309"/>
+            <a:ext cx="8991600" cy="1897699"/>
           </a:xfrm>
           <a:prstGeom prst="rect">
             <a:avLst/>
@@ -3774,7 +3643,7 @@
           <a:p>
             <a:pPr algn="ctr"/>
             <a:r>
-              <a:rPr lang="en-US" sz="4400" b="1" dirty="0">
+              <a:rPr lang="en-US" sz="2933" b="1" dirty="0">
                 <a:latin typeface="Helvetica" panose="020B0604020202020204" pitchFamily="34" charset="0"/>
                 <a:cs typeface="Helvetica" panose="020B0604020202020204" pitchFamily="34" charset="0"/>
               </a:rPr>
@@ -3782,12 +3651,12 @@
             </a:r>
           </a:p>
           <a:p>
-            <a:pPr marL="571500" indent="-571500">
+            <a:pPr marL="381019" indent="-381019">
               <a:buFont typeface="Arial" panose="020B0604020202020204" pitchFamily="34" charset="0"/>
               <a:buChar char="•"/>
             </a:pPr>
             <a:r>
-              <a:rPr lang="en-US" sz="4400" dirty="0">
+              <a:rPr lang="en-US" sz="2933" dirty="0">
                 <a:latin typeface="Helvetica" panose="020B0604020202020204" pitchFamily="34" charset="0"/>
                 <a:cs typeface="Helvetica" panose="020B0604020202020204" pitchFamily="34" charset="0"/>
               </a:rPr>
@@ -3795,12 +3664,12 @@
             </a:r>
           </a:p>
           <a:p>
-            <a:pPr marL="571500" indent="-571500">
+            <a:pPr marL="381019" indent="-381019">
               <a:buFont typeface="Arial" panose="020B0604020202020204" pitchFamily="34" charset="0"/>
               <a:buChar char="•"/>
             </a:pPr>
             <a:r>
-              <a:rPr lang="en-US" sz="4400" dirty="0">
+              <a:rPr lang="en-US" sz="2933" dirty="0">
                 <a:latin typeface="Helvetica" panose="020B0604020202020204" pitchFamily="34" charset="0"/>
                 <a:cs typeface="Helvetica" panose="020B0604020202020204" pitchFamily="34" charset="0"/>
               </a:rPr>
@@ -3808,12 +3677,12 @@
             </a:r>
           </a:p>
           <a:p>
-            <a:pPr marL="571500" indent="-571500">
+            <a:pPr marL="381019" indent="-381019">
               <a:buFont typeface="Arial" panose="020B0604020202020204" pitchFamily="34" charset="0"/>
               <a:buChar char="•"/>
             </a:pPr>
             <a:r>
-              <a:rPr lang="en-US" sz="4400" dirty="0">
+              <a:rPr lang="en-US" sz="2933" dirty="0">
                 <a:latin typeface="Helvetica" panose="020B0604020202020204" pitchFamily="34" charset="0"/>
                 <a:cs typeface="Helvetica" panose="020B0604020202020204" pitchFamily="34" charset="0"/>
               </a:rPr>
@@ -3830,8 +3699,8 @@
         </p:nvSpPr>
         <p:spPr>
           <a:xfrm>
-            <a:off x="29641800" y="25779391"/>
-            <a:ext cx="13716000" cy="861774"/>
+            <a:off x="22555200" y="17040818"/>
+            <a:ext cx="9144000" cy="605422"/>
           </a:xfrm>
           <a:prstGeom prst="rect">
             <a:avLst/>
@@ -3848,7 +3717,7 @@
           <a:p>
             <a:pPr algn="ctr"/>
             <a:r>
-              <a:rPr lang="en-US" sz="5000" b="1" dirty="0">
+              <a:rPr lang="en-US" sz="3334" b="1" dirty="0">
                 <a:solidFill>
                   <a:schemeClr val="bg1"/>
                 </a:solidFill>
@@ -3868,10 +3737,10 @@
         </p:nvGrpSpPr>
         <p:grpSpPr>
           <a:xfrm>
-            <a:off x="34366200" y="709136"/>
-            <a:ext cx="13563600" cy="2567464"/>
+            <a:off x="24739600" y="472758"/>
+            <a:ext cx="9042400" cy="1742420"/>
             <a:chOff x="3200400" y="2108200"/>
-            <a:chExt cx="13563600" cy="2567464"/>
+            <a:chExt cx="13563600" cy="2613630"/>
           </a:xfrm>
         </p:grpSpPr>
         <p:pic>
@@ -3883,7 +3752,7 @@
             <p:nvPr/>
           </p:nvPicPr>
           <p:blipFill>
-            <a:blip r:embed="rId4">
+            <a:blip r:embed="rId3">
               <a:extLst>
                 <a:ext uri="{28A0092B-C50C-407E-A947-70E740481C1C}">
                   <a14:useLocalDpi xmlns:a14="http://schemas.microsoft.com/office/drawing/2010/main" val="0"/>
@@ -3920,7 +3789,7 @@
           <p:spPr>
             <a:xfrm>
               <a:off x="5105400" y="3937000"/>
-              <a:ext cx="11658600" cy="738664"/>
+              <a:ext cx="11658600" cy="784830"/>
             </a:xfrm>
             <a:prstGeom prst="rect">
               <a:avLst/>
@@ -3934,7 +3803,7 @@
             <a:lstStyle/>
             <a:p>
               <a:r>
-                <a:rPr lang="en-US" sz="4200" b="1" dirty="0">
+                <a:rPr lang="en-US" sz="2800" b="1" dirty="0">
                   <a:solidFill>
                     <a:schemeClr val="bg1"/>
                   </a:solidFill>
@@ -3955,8 +3824,8 @@
         </p:nvSpPr>
         <p:spPr>
           <a:xfrm>
-            <a:off x="0" y="0"/>
-            <a:ext cx="43891200" cy="4267200"/>
+            <a:off x="0" y="-27207"/>
+            <a:ext cx="32918400" cy="2844800"/>
           </a:xfrm>
           <a:prstGeom prst="rect">
             <a:avLst/>
@@ -3989,7 +3858,7 @@
           <a:lstStyle/>
           <a:p>
             <a:pPr algn="ctr"/>
-            <a:endParaRPr lang="en-US">
+            <a:endParaRPr lang="en-US" sz="4095">
               <a:latin typeface="Helvetica" panose="020B0604020202020204" pitchFamily="34" charset="0"/>
               <a:cs typeface="Helvetica" panose="020B0604020202020204" pitchFamily="34" charset="0"/>
             </a:endParaRPr>
@@ -4004,8 +3873,8 @@
         </p:nvSpPr>
         <p:spPr>
           <a:xfrm>
-            <a:off x="152400" y="702945"/>
-            <a:ext cx="43891200" cy="2954655"/>
+            <a:off x="1828800" y="493010"/>
+            <a:ext cx="29260800" cy="1949316"/>
           </a:xfrm>
           <a:prstGeom prst="rect">
             <a:avLst/>
@@ -4020,7 +3889,7 @@
           <a:p>
             <a:pPr algn="ctr"/>
             <a:r>
-              <a:rPr lang="en-US" dirty="0">
+              <a:rPr lang="en-US" sz="5400" dirty="0">
                 <a:solidFill>
                   <a:schemeClr val="bg1"/>
                 </a:solidFill>
@@ -4033,7 +3902,7 @@
           <a:p>
             <a:pPr algn="ctr"/>
             <a:r>
-              <a:rPr lang="en-US" sz="5600" dirty="0">
+              <a:rPr lang="en-US" sz="3734" dirty="0">
                 <a:solidFill>
                   <a:schemeClr val="bg1"/>
                 </a:solidFill>
@@ -4046,7 +3915,7 @@
           <a:p>
             <a:pPr algn="ctr"/>
             <a:r>
-              <a:rPr lang="en-US" sz="4400" dirty="0">
+              <a:rPr lang="en-US" sz="2933" dirty="0">
                 <a:solidFill>
                   <a:schemeClr val="bg1"/>
                 </a:solidFill>
@@ -4066,8 +3935,8 @@
         </p:nvSpPr>
         <p:spPr>
           <a:xfrm>
-            <a:off x="971068" y="6025445"/>
-            <a:ext cx="13182600" cy="9387185"/>
+            <a:off x="1458495" y="4008086"/>
+            <a:ext cx="8788400" cy="6288773"/>
           </a:xfrm>
           <a:prstGeom prst="rect">
             <a:avLst/>
@@ -4082,35 +3951,35 @@
           <a:p>
             <a:pPr algn="just"/>
             <a:r>
-              <a:rPr lang="en-US" sz="3600" dirty="0">
+              <a:rPr lang="en-US" sz="2400" dirty="0">
                 <a:latin typeface="Helvetica" panose="020B0604020202020204" pitchFamily="34" charset="0"/>
                 <a:cs typeface="Helvetica" panose="020B0604020202020204" pitchFamily="34" charset="0"/>
               </a:rPr>
               <a:t>This project aims to answer the question: do source separation techniques aid in genre classification? Past studies have examined the effects of genre classification using harmonic-percussive source separation. This project reexamines this approach with more modernized source separation algorithms: </a:t>
             </a:r>
             <a:r>
-              <a:rPr lang="en-US" sz="3600" dirty="0" err="1">
+              <a:rPr lang="en-US" sz="2400" dirty="0" err="1">
                 <a:latin typeface="Helvetica" panose="020B0604020202020204" pitchFamily="34" charset="0"/>
                 <a:cs typeface="Helvetica" panose="020B0604020202020204" pitchFamily="34" charset="0"/>
               </a:rPr>
               <a:t>Librosa’s</a:t>
             </a:r>
             <a:r>
-              <a:rPr lang="en-US" sz="3600" dirty="0">
+              <a:rPr lang="en-US" sz="2400" dirty="0">
                 <a:latin typeface="Helvetica" panose="020B0604020202020204" pitchFamily="34" charset="0"/>
                 <a:cs typeface="Helvetica" panose="020B0604020202020204" pitchFamily="34" charset="0"/>
               </a:rPr>
               <a:t> harmonic-percussive source separation and </a:t>
             </a:r>
             <a:r>
-              <a:rPr lang="en-US" sz="3600" dirty="0" err="1">
+              <a:rPr lang="en-US" sz="2400" dirty="0" err="1">
                 <a:latin typeface="Helvetica" panose="020B0604020202020204" pitchFamily="34" charset="0"/>
                 <a:cs typeface="Helvetica" panose="020B0604020202020204" pitchFamily="34" charset="0"/>
               </a:rPr>
               <a:t>REpeating</a:t>
             </a:r>
             <a:r>
-              <a:rPr lang="en-US" sz="3600" dirty="0">
+              <a:rPr lang="en-US" sz="2400" dirty="0">
                 <a:latin typeface="Helvetica" panose="020B0604020202020204" pitchFamily="34" charset="0"/>
                 <a:cs typeface="Helvetica" panose="020B0604020202020204" pitchFamily="34" charset="0"/>
               </a:rPr>
@@ -4118,13 +3987,20 @@
             </a:r>
           </a:p>
           <a:p>
+            <a:r>
+              <a:rPr lang="en-US" sz="2133" dirty="0">
+                <a:latin typeface="Helvetica" panose="020B0604020202020204" pitchFamily="34" charset="0"/>
+                <a:cs typeface="Helvetica" panose="020B0604020202020204" pitchFamily="34" charset="0"/>
+              </a:rPr>
+              <a:t/>
+            </a:r>
             <a:br>
-              <a:rPr lang="en-US" sz="3200" dirty="0">
+              <a:rPr lang="en-US" sz="2133" dirty="0">
                 <a:latin typeface="Helvetica" panose="020B0604020202020204" pitchFamily="34" charset="0"/>
                 <a:cs typeface="Helvetica" panose="020B0604020202020204" pitchFamily="34" charset="0"/>
               </a:rPr>
             </a:br>
-            <a:endParaRPr lang="en-US" sz="3200" dirty="0">
+            <a:endParaRPr lang="en-US" sz="2133" dirty="0">
               <a:latin typeface="Helvetica" panose="020B0604020202020204" pitchFamily="34" charset="0"/>
               <a:cs typeface="Helvetica" panose="020B0604020202020204" pitchFamily="34" charset="0"/>
             </a:endParaRPr>
@@ -4139,8 +4015,8 @@
         </p:nvSpPr>
         <p:spPr>
           <a:xfrm>
-            <a:off x="437668" y="15471153"/>
-            <a:ext cx="13716000" cy="1077218"/>
+            <a:off x="1102895" y="10320549"/>
+            <a:ext cx="9144000" cy="728533"/>
           </a:xfrm>
           <a:prstGeom prst="rect">
             <a:avLst/>
@@ -4157,7 +4033,7 @@
           <a:p>
             <a:pPr algn="ctr"/>
             <a:r>
-              <a:rPr lang="en-US" sz="6200" b="1" dirty="0">
+              <a:rPr lang="en-US" sz="4134" b="1" dirty="0">
                 <a:solidFill>
                   <a:schemeClr val="bg1"/>
                 </a:solidFill>
@@ -4172,6 +4048,36 @@
       <p:pic>
         <p:nvPicPr>
           <p:cNvPr id="7" name="Picture 6"/>
+          <p:cNvPicPr>
+            <a:picLocks noChangeAspect="1"/>
+          </p:cNvPicPr>
+          <p:nvPr/>
+        </p:nvPicPr>
+        <p:blipFill>
+          <a:blip r:embed="rId4">
+            <a:extLst>
+              <a:ext uri="{28A0092B-C50C-407E-A947-70E740481C1C}">
+                <a14:useLocalDpi xmlns:a14="http://schemas.microsoft.com/office/drawing/2010/main" val="0"/>
+              </a:ext>
+            </a:extLst>
+          </a:blip>
+          <a:stretch>
+            <a:fillRect/>
+          </a:stretch>
+        </p:blipFill>
+        <p:spPr>
+          <a:xfrm>
+            <a:off x="22936200" y="3895373"/>
+            <a:ext cx="8686800" cy="5560384"/>
+          </a:xfrm>
+          <a:prstGeom prst="rect">
+            <a:avLst/>
+          </a:prstGeom>
+        </p:spPr>
+      </p:pic>
+      <p:pic>
+        <p:nvPicPr>
+          <p:cNvPr id="9" name="Picture 8"/>
           <p:cNvPicPr>
             <a:picLocks noChangeAspect="1"/>
           </p:cNvPicPr>
@@ -4191,8 +4097,8 @@
         </p:blipFill>
         <p:spPr>
           <a:xfrm>
-            <a:off x="30213300" y="6061224"/>
-            <a:ext cx="13030200" cy="8340576"/>
+            <a:off x="22713821" y="9712237"/>
+            <a:ext cx="4052131" cy="3588281"/>
           </a:xfrm>
           <a:prstGeom prst="rect">
             <a:avLst/>
@@ -4201,7 +4107,7 @@
       </p:pic>
       <p:pic>
         <p:nvPicPr>
-          <p:cNvPr id="9" name="Picture 8"/>
+          <p:cNvPr id="12" name="Picture 11"/>
           <p:cNvPicPr>
             <a:picLocks noChangeAspect="1"/>
           </p:cNvPicPr>
@@ -4221,17 +4127,795 @@
         </p:blipFill>
         <p:spPr>
           <a:xfrm>
-            <a:off x="29879731" y="14786520"/>
-            <a:ext cx="6078197" cy="5382421"/>
+            <a:off x="27275453" y="9848938"/>
+            <a:ext cx="4089400" cy="3590266"/>
           </a:xfrm>
           <a:prstGeom prst="rect">
             <a:avLst/>
           </a:prstGeom>
         </p:spPr>
       </p:pic>
+      <p:sp>
+        <p:nvSpPr>
+          <p:cNvPr id="34" name="TextBox 33"/>
+          <p:cNvSpPr txBox="1"/>
+          <p:nvPr/>
+        </p:nvSpPr>
+        <p:spPr>
+          <a:xfrm>
+            <a:off x="1219200" y="13979171"/>
+            <a:ext cx="9144000" cy="728533"/>
+          </a:xfrm>
+          <a:prstGeom prst="rect">
+            <a:avLst/>
+          </a:prstGeom>
+          <a:solidFill>
+            <a:srgbClr val="4E2A84"/>
+          </a:solidFill>
+        </p:spPr>
+        <p:txBody>
+          <a:bodyPr wrap="square" rtlCol="0">
+            <a:spAutoFit/>
+          </a:bodyPr>
+          <a:lstStyle/>
+          <a:p>
+            <a:pPr algn="ctr"/>
+            <a:r>
+              <a:rPr lang="en-US" sz="4134" b="1" dirty="0">
+                <a:solidFill>
+                  <a:schemeClr val="bg1"/>
+                </a:solidFill>
+                <a:latin typeface="Helvetica" panose="020B0604020202020204" pitchFamily="34" charset="0"/>
+                <a:cs typeface="Helvetica" panose="020B0604020202020204" pitchFamily="34" charset="0"/>
+              </a:rPr>
+              <a:t>Classification</a:t>
+            </a:r>
+          </a:p>
+        </p:txBody>
+      </p:sp>
+      <p:sp>
+        <p:nvSpPr>
+          <p:cNvPr id="35" name="TextBox 34"/>
+          <p:cNvSpPr txBox="1"/>
+          <p:nvPr/>
+        </p:nvSpPr>
+        <p:spPr>
+          <a:xfrm>
+            <a:off x="22926869" y="13559971"/>
+            <a:ext cx="8686800" cy="3251724"/>
+          </a:xfrm>
+          <a:prstGeom prst="rect">
+            <a:avLst/>
+          </a:prstGeom>
+          <a:solidFill>
+            <a:schemeClr val="bg1"/>
+          </a:solidFill>
+        </p:spPr>
+        <p:txBody>
+          <a:bodyPr wrap="square" rtlCol="0">
+            <a:spAutoFit/>
+          </a:bodyPr>
+          <a:lstStyle/>
+          <a:p>
+            <a:pPr algn="ctr"/>
+            <a:r>
+              <a:rPr lang="en-US" sz="2933" b="1" dirty="0">
+                <a:latin typeface="Helvetica" panose="020B0604020202020204" pitchFamily="34" charset="0"/>
+                <a:cs typeface="Helvetica" panose="020B0604020202020204" pitchFamily="34" charset="0"/>
+              </a:rPr>
+              <a:t>Conclusions</a:t>
+            </a:r>
+          </a:p>
+          <a:p>
+            <a:pPr marL="381019" indent="-381019">
+              <a:buFont typeface="Arial" panose="020B0604020202020204" pitchFamily="34" charset="0"/>
+              <a:buChar char="•"/>
+            </a:pPr>
+            <a:r>
+              <a:rPr lang="en-US" sz="2933" dirty="0">
+                <a:latin typeface="Helvetica" panose="020B0604020202020204" pitchFamily="34" charset="0"/>
+                <a:cs typeface="Helvetica" panose="020B0604020202020204" pitchFamily="34" charset="0"/>
+              </a:rPr>
+              <a:t>REPET Background and Combo marginally more accurate</a:t>
+            </a:r>
+          </a:p>
+          <a:p>
+            <a:pPr marL="381019" indent="-381019">
+              <a:buFont typeface="Arial" panose="020B0604020202020204" pitchFamily="34" charset="0"/>
+              <a:buChar char="•"/>
+            </a:pPr>
+            <a:r>
+              <a:rPr lang="en-US" sz="2933" dirty="0">
+                <a:latin typeface="Helvetica" panose="020B0604020202020204" pitchFamily="34" charset="0"/>
+                <a:cs typeface="Helvetica" panose="020B0604020202020204" pitchFamily="34" charset="0"/>
+              </a:rPr>
+              <a:t>HPSS is not more accurate</a:t>
+            </a:r>
+          </a:p>
+          <a:p>
+            <a:pPr marL="381019" indent="-381019">
+              <a:buFont typeface="Arial" panose="020B0604020202020204" pitchFamily="34" charset="0"/>
+              <a:buChar char="•"/>
+            </a:pPr>
+            <a:r>
+              <a:rPr lang="en-US" sz="2933" dirty="0">
+                <a:latin typeface="Helvetica" panose="020B0604020202020204" pitchFamily="34" charset="0"/>
+                <a:cs typeface="Helvetica" panose="020B0604020202020204" pitchFamily="34" charset="0"/>
+              </a:rPr>
+              <a:t>Classical and metal easier to classify</a:t>
+            </a:r>
+          </a:p>
+          <a:p>
+            <a:pPr marL="381019" indent="-381019">
+              <a:buFont typeface="Arial" panose="020B0604020202020204" pitchFamily="34" charset="0"/>
+              <a:buChar char="•"/>
+            </a:pPr>
+            <a:r>
+              <a:rPr lang="en-US" sz="2933" b="1" dirty="0">
+                <a:latin typeface="Helvetica" panose="020B0604020202020204" pitchFamily="34" charset="0"/>
+                <a:cs typeface="Helvetica" panose="020B0604020202020204" pitchFamily="34" charset="0"/>
+              </a:rPr>
+              <a:t>Source Separation does not have a positive effect on genre classification</a:t>
+            </a:r>
+          </a:p>
+        </p:txBody>
+      </p:sp>
+      <p:sp>
+        <p:nvSpPr>
+          <p:cNvPr id="36" name="TextBox 35"/>
+          <p:cNvSpPr txBox="1"/>
+          <p:nvPr/>
+        </p:nvSpPr>
+        <p:spPr>
+          <a:xfrm>
+            <a:off x="22713820" y="17846981"/>
+            <a:ext cx="8899849" cy="2800767"/>
+          </a:xfrm>
+          <a:prstGeom prst="rect">
+            <a:avLst/>
+          </a:prstGeom>
+          <a:solidFill>
+            <a:schemeClr val="bg1"/>
+          </a:solidFill>
+        </p:spPr>
+        <p:txBody>
+          <a:bodyPr wrap="square" rtlCol="0">
+            <a:spAutoFit/>
+          </a:bodyPr>
+          <a:lstStyle/>
+          <a:p>
+            <a:r>
+              <a:rPr lang="en-US" sz="1600" dirty="0"/>
+              <a:t>[1] G.A. </a:t>
+            </a:r>
+            <a:r>
+              <a:rPr lang="en-US" sz="1600" dirty="0" err="1"/>
+              <a:t>Tzanetakis</a:t>
+            </a:r>
+            <a:r>
+              <a:rPr lang="en-US" sz="1600" dirty="0"/>
+              <a:t>, G. </a:t>
+            </a:r>
+            <a:r>
+              <a:rPr lang="en-US" sz="1600" dirty="0" err="1"/>
+              <a:t>Essel</a:t>
+            </a:r>
+            <a:r>
+              <a:rPr lang="en-US" sz="1600" dirty="0"/>
+              <a:t>, P. Cook,  </a:t>
+            </a:r>
+            <a:r>
+              <a:rPr lang="en-US" sz="1600" i="1" dirty="0"/>
+              <a:t>Automatic Musical Genre Classification Of Audio Signals</a:t>
+            </a:r>
+            <a:endParaRPr lang="en-US" sz="1600" dirty="0"/>
+          </a:p>
+          <a:p>
+            <a:r>
+              <a:rPr lang="en-US" sz="1600" dirty="0"/>
+              <a:t>[2] G.A. </a:t>
+            </a:r>
+            <a:r>
+              <a:rPr lang="en-US" sz="1600" dirty="0" err="1"/>
+              <a:t>Tzanetakis</a:t>
+            </a:r>
+            <a:r>
+              <a:rPr lang="en-US" sz="1600" dirty="0"/>
+              <a:t>, P. Cook, </a:t>
+            </a:r>
+            <a:r>
+              <a:rPr lang="en-US" sz="1600" i="1" dirty="0"/>
+              <a:t>Musical Genre Classification of Audio Signals </a:t>
+            </a:r>
+          </a:p>
+          <a:p>
+            <a:r>
+              <a:rPr lang="en-US" sz="1600" dirty="0"/>
+              <a:t>[3] P.S. </a:t>
+            </a:r>
+            <a:r>
+              <a:rPr lang="en-US" sz="1600" dirty="0" err="1"/>
+              <a:t>Lampropoulou</a:t>
+            </a:r>
+            <a:r>
+              <a:rPr lang="en-US" sz="1600" dirty="0"/>
+              <a:t>, A.S. </a:t>
+            </a:r>
+            <a:r>
+              <a:rPr lang="en-US" sz="1600" dirty="0" err="1"/>
+              <a:t>Lampropoulos</a:t>
+            </a:r>
+            <a:r>
+              <a:rPr lang="en-US" sz="1600" dirty="0"/>
+              <a:t> and G.A. </a:t>
+            </a:r>
+            <a:r>
+              <a:rPr lang="en-US" sz="1600" dirty="0" err="1"/>
+              <a:t>Tsihrintzis</a:t>
+            </a:r>
+            <a:r>
+              <a:rPr lang="en-US" sz="1600" dirty="0"/>
+              <a:t>, </a:t>
+            </a:r>
+            <a:r>
+              <a:rPr lang="en-US" sz="1600" i="1" dirty="0"/>
+              <a:t>Musical Genre Classification of Audio Data Using Source Separation Techniques</a:t>
+            </a:r>
+            <a:endParaRPr lang="en-US" sz="1600" dirty="0"/>
+          </a:p>
+          <a:p>
+            <a:r>
+              <a:rPr lang="en-US" sz="1600" dirty="0"/>
+              <a:t>[4] C. </a:t>
+            </a:r>
+            <a:r>
+              <a:rPr lang="en-US" sz="1600" dirty="0" err="1"/>
+              <a:t>Mckay</a:t>
+            </a:r>
+            <a:r>
+              <a:rPr lang="en-US" sz="1600" dirty="0"/>
+              <a:t>, I. </a:t>
+            </a:r>
+            <a:r>
+              <a:rPr lang="en-US" sz="1600" dirty="0" err="1"/>
+              <a:t>Fujinaga</a:t>
+            </a:r>
+            <a:r>
+              <a:rPr lang="en-US" sz="1600" dirty="0"/>
+              <a:t>, </a:t>
+            </a:r>
+            <a:r>
+              <a:rPr lang="en-US" sz="1600" i="1" dirty="0"/>
+              <a:t>Automatic Genre Classification Using Large High-Level Musical Feature Sets </a:t>
+            </a:r>
+          </a:p>
+          <a:p>
+            <a:r>
+              <a:rPr lang="en-US" sz="1600" dirty="0"/>
+              <a:t>[5] Z </a:t>
+            </a:r>
+            <a:r>
+              <a:rPr lang="en-US" sz="1600" dirty="0" err="1"/>
+              <a:t>Rafii</a:t>
+            </a:r>
+            <a:r>
+              <a:rPr lang="en-US" sz="1600" dirty="0"/>
+              <a:t>, B. Pardo, </a:t>
+            </a:r>
+            <a:r>
+              <a:rPr lang="en-US" sz="1600" i="1" dirty="0" err="1"/>
+              <a:t>REpeating</a:t>
+            </a:r>
+            <a:r>
+              <a:rPr lang="en-US" sz="1600" i="1" dirty="0"/>
+              <a:t> Pattern Extraction Technique (REPET): A Simple Method for Music/Voice Separation</a:t>
+            </a:r>
+            <a:r>
+              <a:rPr lang="en-US" sz="1600" dirty="0"/>
+              <a:t> </a:t>
+            </a:r>
+          </a:p>
+          <a:p>
+            <a:r>
+              <a:rPr lang="en-US" sz="1600" dirty="0"/>
+              <a:t>[6] B. </a:t>
+            </a:r>
+            <a:r>
+              <a:rPr lang="en-US" sz="1600" dirty="0" err="1"/>
+              <a:t>McFee</a:t>
+            </a:r>
+            <a:r>
+              <a:rPr lang="en-US" sz="1600" dirty="0"/>
+              <a:t>, C. </a:t>
+            </a:r>
+            <a:r>
+              <a:rPr lang="en-US" sz="1600" dirty="0" err="1"/>
+              <a:t>Raffel</a:t>
+            </a:r>
+            <a:r>
+              <a:rPr lang="en-US" sz="1600" dirty="0"/>
+              <a:t>, D Liang, D.P.W. Ellis, M. </a:t>
+            </a:r>
+            <a:r>
+              <a:rPr lang="en-US" sz="1600" dirty="0" err="1"/>
+              <a:t>McVicar</a:t>
+            </a:r>
+            <a:r>
+              <a:rPr lang="en-US" sz="1600" dirty="0"/>
+              <a:t> , E. Battenberg, O. </a:t>
+            </a:r>
+            <a:r>
+              <a:rPr lang="en-US" sz="1600" dirty="0" err="1"/>
+              <a:t>Nietok</a:t>
+            </a:r>
+            <a:r>
+              <a:rPr lang="en-US" sz="1600" dirty="0"/>
+              <a:t>, </a:t>
+            </a:r>
+            <a:r>
+              <a:rPr lang="en-US" sz="1600" i="1" dirty="0" err="1"/>
+              <a:t>Librosa</a:t>
+            </a:r>
+            <a:r>
+              <a:rPr lang="en-US" sz="1600" i="1" dirty="0"/>
+              <a:t>: Audio and Music Signal Analysis in Python </a:t>
+            </a:r>
+          </a:p>
+          <a:p>
+            <a:r>
+              <a:rPr lang="en-US" sz="1600" dirty="0"/>
+              <a:t>[7] H. Tachibana, N. Ono, H. </a:t>
+            </a:r>
+            <a:r>
+              <a:rPr lang="en-US" sz="1600" dirty="0" err="1"/>
+              <a:t>Kameoka</a:t>
+            </a:r>
+            <a:r>
+              <a:rPr lang="en-US" sz="1600" dirty="0"/>
+              <a:t>, S. </a:t>
+            </a:r>
+            <a:r>
+              <a:rPr lang="en-US" sz="1600" dirty="0" err="1"/>
+              <a:t>Sagayama</a:t>
+            </a:r>
+            <a:r>
+              <a:rPr lang="en-US" sz="1600" dirty="0"/>
+              <a:t>, </a:t>
+            </a:r>
+            <a:r>
+              <a:rPr lang="en-US" sz="1600" i="1" dirty="0"/>
+              <a:t>Harmonic/Percussive Sound Separation Based on Anisotropic Smoothness of Spectrograms </a:t>
+            </a:r>
+            <a:endParaRPr lang="en-US" sz="1600" b="1" dirty="0">
+              <a:latin typeface="Helvetica" panose="020B0604020202020204" pitchFamily="34" charset="0"/>
+              <a:cs typeface="Helvetica" panose="020B0604020202020204" pitchFamily="34" charset="0"/>
+            </a:endParaRPr>
+          </a:p>
+        </p:txBody>
+      </p:sp>
+      <p:sp>
+        <p:nvSpPr>
+          <p:cNvPr id="40" name="TextBox 39"/>
+          <p:cNvSpPr txBox="1"/>
+          <p:nvPr/>
+        </p:nvSpPr>
+        <p:spPr>
+          <a:xfrm>
+            <a:off x="11868377" y="3860767"/>
+            <a:ext cx="9144000" cy="16340627"/>
+          </a:xfrm>
+          <a:prstGeom prst="rect">
+            <a:avLst/>
+          </a:prstGeom>
+          <a:solidFill>
+            <a:schemeClr val="bg1"/>
+          </a:solidFill>
+        </p:spPr>
+        <p:txBody>
+          <a:bodyPr wrap="square" rtlCol="0">
+            <a:spAutoFit/>
+          </a:bodyPr>
+          <a:lstStyle/>
+          <a:p>
+            <a:pPr marL="381019" indent="-381019">
+              <a:buFont typeface="Arial" panose="020B0604020202020204" pitchFamily="34" charset="0"/>
+              <a:buChar char="•"/>
+            </a:pPr>
+            <a:r>
+              <a:rPr lang="en-US" sz="2933" dirty="0">
+                <a:latin typeface="Helvetica" panose="020B0604020202020204" pitchFamily="34" charset="0"/>
+                <a:cs typeface="Helvetica" panose="020B0604020202020204" pitchFamily="34" charset="0"/>
+              </a:rPr>
+              <a:t>Used GTZAN Genre Classification dataset</a:t>
+            </a:r>
+          </a:p>
+          <a:p>
+            <a:pPr marL="1844132" lvl="1" indent="-381019">
+              <a:buFont typeface="Arial" panose="020B0604020202020204" pitchFamily="34" charset="0"/>
+              <a:buChar char="•"/>
+            </a:pPr>
+            <a:r>
+              <a:rPr lang="en-US" sz="2933" dirty="0">
+                <a:latin typeface="Helvetica" panose="020B0604020202020204" pitchFamily="34" charset="0"/>
+                <a:cs typeface="Helvetica" panose="020B0604020202020204" pitchFamily="34" charset="0"/>
+              </a:rPr>
+              <a:t>1000 audio files, each 30 seconds</a:t>
+            </a:r>
+          </a:p>
+          <a:p>
+            <a:pPr marL="1844132" lvl="1" indent="-381019">
+              <a:buFont typeface="Arial" panose="020B0604020202020204" pitchFamily="34" charset="0"/>
+              <a:buChar char="•"/>
+            </a:pPr>
+            <a:endParaRPr lang="en-US" sz="2933" dirty="0">
+              <a:latin typeface="Helvetica" panose="020B0604020202020204" pitchFamily="34" charset="0"/>
+              <a:cs typeface="Helvetica" panose="020B0604020202020204" pitchFamily="34" charset="0"/>
+            </a:endParaRPr>
+          </a:p>
+          <a:p>
+            <a:pPr marL="1844132" lvl="1" indent="-381019">
+              <a:buFont typeface="Arial" panose="020B0604020202020204" pitchFamily="34" charset="0"/>
+              <a:buChar char="•"/>
+            </a:pPr>
+            <a:endParaRPr lang="en-US" sz="2933" dirty="0">
+              <a:latin typeface="Helvetica" panose="020B0604020202020204" pitchFamily="34" charset="0"/>
+              <a:cs typeface="Helvetica" panose="020B0604020202020204" pitchFamily="34" charset="0"/>
+            </a:endParaRPr>
+          </a:p>
+          <a:p>
+            <a:pPr marL="381019" indent="-381019">
+              <a:buFont typeface="Arial" panose="020B0604020202020204" pitchFamily="34" charset="0"/>
+              <a:buChar char="•"/>
+            </a:pPr>
+            <a:endParaRPr lang="en-US" sz="2933" dirty="0">
+              <a:latin typeface="Helvetica" panose="020B0604020202020204" pitchFamily="34" charset="0"/>
+              <a:cs typeface="Helvetica" panose="020B0604020202020204" pitchFamily="34" charset="0"/>
+            </a:endParaRPr>
+          </a:p>
+          <a:p>
+            <a:pPr marL="381019" indent="-381019">
+              <a:buFont typeface="Arial" panose="020B0604020202020204" pitchFamily="34" charset="0"/>
+              <a:buChar char="•"/>
+            </a:pPr>
+            <a:r>
+              <a:rPr lang="en-US" sz="2933" dirty="0">
+                <a:latin typeface="Helvetica" panose="020B0604020202020204" pitchFamily="34" charset="0"/>
+                <a:cs typeface="Helvetica" panose="020B0604020202020204" pitchFamily="34" charset="0"/>
+              </a:rPr>
+              <a:t>Ran HPSS and REPET to get five source variations</a:t>
+            </a:r>
+          </a:p>
+          <a:p>
+            <a:pPr marL="381019" indent="-381019">
+              <a:buFont typeface="Arial" panose="020B0604020202020204" pitchFamily="34" charset="0"/>
+              <a:buChar char="•"/>
+            </a:pPr>
+            <a:r>
+              <a:rPr lang="en-US" sz="2933" dirty="0">
+                <a:latin typeface="Helvetica" panose="020B0604020202020204" pitchFamily="34" charset="0"/>
+                <a:cs typeface="Helvetica" panose="020B0604020202020204" pitchFamily="34" charset="0"/>
+              </a:rPr>
+              <a:t>Had 14 dimensional surface vector</a:t>
+            </a:r>
+          </a:p>
+          <a:p>
+            <a:pPr marL="1844132" lvl="1" indent="-381019">
+              <a:buFont typeface="Arial" panose="020B0604020202020204" pitchFamily="34" charset="0"/>
+              <a:buChar char="•"/>
+            </a:pPr>
+            <a:r>
+              <a:rPr lang="en-US" sz="2933" dirty="0">
+                <a:latin typeface="Helvetica" panose="020B0604020202020204" pitchFamily="34" charset="0"/>
+                <a:cs typeface="Helvetica" panose="020B0604020202020204" pitchFamily="34" charset="0"/>
+              </a:rPr>
+              <a:t>Broken up into surface and rhythm features</a:t>
+            </a:r>
+          </a:p>
+          <a:p>
+            <a:pPr marL="381019" indent="-381019">
+              <a:buFont typeface="Arial" panose="020B0604020202020204" pitchFamily="34" charset="0"/>
+              <a:buChar char="•"/>
+            </a:pPr>
+            <a:endParaRPr lang="en-US" sz="2933" dirty="0">
+              <a:latin typeface="Helvetica" panose="020B0604020202020204" pitchFamily="34" charset="0"/>
+              <a:cs typeface="Helvetica" panose="020B0604020202020204" pitchFamily="34" charset="0"/>
+            </a:endParaRPr>
+          </a:p>
+          <a:p>
+            <a:pPr marL="381019" indent="-381019">
+              <a:buFont typeface="Arial" panose="020B0604020202020204" pitchFamily="34" charset="0"/>
+              <a:buChar char="•"/>
+            </a:pPr>
+            <a:endParaRPr lang="en-US" sz="2933" dirty="0">
+              <a:latin typeface="Helvetica" panose="020B0604020202020204" pitchFamily="34" charset="0"/>
+              <a:cs typeface="Helvetica" panose="020B0604020202020204" pitchFamily="34" charset="0"/>
+            </a:endParaRPr>
+          </a:p>
+          <a:p>
+            <a:pPr marL="381019" indent="-381019">
+              <a:buFont typeface="Arial" panose="020B0604020202020204" pitchFamily="34" charset="0"/>
+              <a:buChar char="•"/>
+            </a:pPr>
+            <a:endParaRPr lang="en-US" sz="2933" dirty="0">
+              <a:latin typeface="Helvetica" panose="020B0604020202020204" pitchFamily="34" charset="0"/>
+              <a:cs typeface="Helvetica" panose="020B0604020202020204" pitchFamily="34" charset="0"/>
+            </a:endParaRPr>
+          </a:p>
+          <a:p>
+            <a:pPr marL="381019" indent="-381019">
+              <a:buFont typeface="Arial" panose="020B0604020202020204" pitchFamily="34" charset="0"/>
+              <a:buChar char="•"/>
+            </a:pPr>
+            <a:endParaRPr lang="en-US" sz="2933" dirty="0">
+              <a:latin typeface="Helvetica" panose="020B0604020202020204" pitchFamily="34" charset="0"/>
+              <a:cs typeface="Helvetica" panose="020B0604020202020204" pitchFamily="34" charset="0"/>
+            </a:endParaRPr>
+          </a:p>
+          <a:p>
+            <a:pPr marL="381019" indent="-381019">
+              <a:buFont typeface="Arial" panose="020B0604020202020204" pitchFamily="34" charset="0"/>
+              <a:buChar char="•"/>
+            </a:pPr>
+            <a:endParaRPr lang="en-US" sz="2933" dirty="0">
+              <a:latin typeface="Helvetica" panose="020B0604020202020204" pitchFamily="34" charset="0"/>
+              <a:cs typeface="Helvetica" panose="020B0604020202020204" pitchFamily="34" charset="0"/>
+            </a:endParaRPr>
+          </a:p>
+          <a:p>
+            <a:pPr marL="381019" indent="-381019">
+              <a:buFont typeface="Arial" panose="020B0604020202020204" pitchFamily="34" charset="0"/>
+              <a:buChar char="•"/>
+            </a:pPr>
+            <a:endParaRPr lang="en-US" sz="2933" dirty="0">
+              <a:latin typeface="Helvetica" panose="020B0604020202020204" pitchFamily="34" charset="0"/>
+              <a:cs typeface="Helvetica" panose="020B0604020202020204" pitchFamily="34" charset="0"/>
+            </a:endParaRPr>
+          </a:p>
+          <a:p>
+            <a:pPr marL="381019" indent="-381019">
+              <a:buFont typeface="Arial" panose="020B0604020202020204" pitchFamily="34" charset="0"/>
+              <a:buChar char="•"/>
+            </a:pPr>
+            <a:endParaRPr lang="en-US" sz="2933" dirty="0">
+              <a:latin typeface="Helvetica" panose="020B0604020202020204" pitchFamily="34" charset="0"/>
+              <a:cs typeface="Helvetica" panose="020B0604020202020204" pitchFamily="34" charset="0"/>
+            </a:endParaRPr>
+          </a:p>
+          <a:p>
+            <a:pPr marL="381019" indent="-381019">
+              <a:buFont typeface="Arial" panose="020B0604020202020204" pitchFamily="34" charset="0"/>
+              <a:buChar char="•"/>
+            </a:pPr>
+            <a:endParaRPr lang="en-US" sz="2933" dirty="0">
+              <a:latin typeface="Helvetica" panose="020B0604020202020204" pitchFamily="34" charset="0"/>
+              <a:cs typeface="Helvetica" panose="020B0604020202020204" pitchFamily="34" charset="0"/>
+            </a:endParaRPr>
+          </a:p>
+          <a:p>
+            <a:pPr marL="381019" indent="-381019">
+              <a:buFont typeface="Arial" panose="020B0604020202020204" pitchFamily="34" charset="0"/>
+              <a:buChar char="•"/>
+            </a:pPr>
+            <a:endParaRPr lang="en-US" sz="2933" dirty="0">
+              <a:latin typeface="Helvetica" panose="020B0604020202020204" pitchFamily="34" charset="0"/>
+              <a:cs typeface="Helvetica" panose="020B0604020202020204" pitchFamily="34" charset="0"/>
+            </a:endParaRPr>
+          </a:p>
+          <a:p>
+            <a:pPr marL="381019" indent="-381019">
+              <a:buFont typeface="Arial" panose="020B0604020202020204" pitchFamily="34" charset="0"/>
+              <a:buChar char="•"/>
+            </a:pPr>
+            <a:endParaRPr lang="en-US" sz="2933" dirty="0">
+              <a:latin typeface="Helvetica" panose="020B0604020202020204" pitchFamily="34" charset="0"/>
+              <a:cs typeface="Helvetica" panose="020B0604020202020204" pitchFamily="34" charset="0"/>
+            </a:endParaRPr>
+          </a:p>
+          <a:p>
+            <a:pPr marL="381019" indent="-381019">
+              <a:buFont typeface="Arial" panose="020B0604020202020204" pitchFamily="34" charset="0"/>
+              <a:buChar char="•"/>
+            </a:pPr>
+            <a:endParaRPr lang="en-US" sz="2933" dirty="0">
+              <a:latin typeface="Helvetica" panose="020B0604020202020204" pitchFamily="34" charset="0"/>
+              <a:cs typeface="Helvetica" panose="020B0604020202020204" pitchFamily="34" charset="0"/>
+            </a:endParaRPr>
+          </a:p>
+          <a:p>
+            <a:pPr marL="381019" indent="-381019">
+              <a:buFont typeface="Arial" panose="020B0604020202020204" pitchFamily="34" charset="0"/>
+              <a:buChar char="•"/>
+            </a:pPr>
+            <a:endParaRPr lang="en-US" sz="2933" dirty="0">
+              <a:latin typeface="Helvetica" panose="020B0604020202020204" pitchFamily="34" charset="0"/>
+              <a:cs typeface="Helvetica" panose="020B0604020202020204" pitchFamily="34" charset="0"/>
+            </a:endParaRPr>
+          </a:p>
+          <a:p>
+            <a:pPr marL="381019" indent="-381019">
+              <a:buFont typeface="Arial" panose="020B0604020202020204" pitchFamily="34" charset="0"/>
+              <a:buChar char="•"/>
+            </a:pPr>
+            <a:endParaRPr lang="en-US" sz="2933" dirty="0">
+              <a:latin typeface="Helvetica" panose="020B0604020202020204" pitchFamily="34" charset="0"/>
+              <a:cs typeface="Helvetica" panose="020B0604020202020204" pitchFamily="34" charset="0"/>
+            </a:endParaRPr>
+          </a:p>
+          <a:p>
+            <a:pPr marL="381019" indent="-381019">
+              <a:buFont typeface="Arial" panose="020B0604020202020204" pitchFamily="34" charset="0"/>
+              <a:buChar char="•"/>
+            </a:pPr>
+            <a:endParaRPr lang="en-US" sz="2933" dirty="0">
+              <a:latin typeface="Helvetica" panose="020B0604020202020204" pitchFamily="34" charset="0"/>
+              <a:cs typeface="Helvetica" panose="020B0604020202020204" pitchFamily="34" charset="0"/>
+            </a:endParaRPr>
+          </a:p>
+          <a:p>
+            <a:pPr marL="381019" indent="-381019">
+              <a:buFont typeface="Arial" panose="020B0604020202020204" pitchFamily="34" charset="0"/>
+              <a:buChar char="•"/>
+            </a:pPr>
+            <a:endParaRPr lang="en-US" sz="2933" dirty="0">
+              <a:latin typeface="Helvetica" panose="020B0604020202020204" pitchFamily="34" charset="0"/>
+              <a:cs typeface="Helvetica" panose="020B0604020202020204" pitchFamily="34" charset="0"/>
+            </a:endParaRPr>
+          </a:p>
+          <a:p>
+            <a:pPr marL="381019" indent="-381019">
+              <a:buFont typeface="Arial" panose="020B0604020202020204" pitchFamily="34" charset="0"/>
+              <a:buChar char="•"/>
+            </a:pPr>
+            <a:endParaRPr lang="en-US" sz="2933" dirty="0">
+              <a:latin typeface="Helvetica" panose="020B0604020202020204" pitchFamily="34" charset="0"/>
+              <a:cs typeface="Helvetica" panose="020B0604020202020204" pitchFamily="34" charset="0"/>
+            </a:endParaRPr>
+          </a:p>
+          <a:p>
+            <a:pPr marL="381019" indent="-381019">
+              <a:buFont typeface="Arial" panose="020B0604020202020204" pitchFamily="34" charset="0"/>
+              <a:buChar char="•"/>
+            </a:pPr>
+            <a:endParaRPr lang="en-US" sz="2933" dirty="0">
+              <a:latin typeface="Helvetica" panose="020B0604020202020204" pitchFamily="34" charset="0"/>
+              <a:cs typeface="Helvetica" panose="020B0604020202020204" pitchFamily="34" charset="0"/>
+            </a:endParaRPr>
+          </a:p>
+          <a:p>
+            <a:pPr marL="381019" indent="-381019">
+              <a:buFont typeface="Arial" panose="020B0604020202020204" pitchFamily="34" charset="0"/>
+              <a:buChar char="•"/>
+            </a:pPr>
+            <a:r>
+              <a:rPr lang="en-US" sz="2933" dirty="0">
+                <a:latin typeface="Helvetica" panose="020B0604020202020204" pitchFamily="34" charset="0"/>
+                <a:cs typeface="Helvetica" panose="020B0604020202020204" pitchFamily="34" charset="0"/>
+              </a:rPr>
+              <a:t>Created 9 datasets to run models on</a:t>
+            </a:r>
+          </a:p>
+          <a:p>
+            <a:pPr marL="1958438" lvl="1" indent="-495325">
+              <a:buFont typeface="+mj-lt"/>
+              <a:buAutoNum type="arabicPeriod"/>
+            </a:pPr>
+            <a:r>
+              <a:rPr lang="en-US" sz="2933" dirty="0">
+                <a:latin typeface="Helvetica" panose="020B0604020202020204" pitchFamily="34" charset="0"/>
+                <a:cs typeface="Helvetica" panose="020B0604020202020204" pitchFamily="34" charset="0"/>
+              </a:rPr>
+              <a:t>Control (Original Audio Files)</a:t>
+            </a:r>
+          </a:p>
+          <a:p>
+            <a:pPr marL="1958438" lvl="1" indent="-495325">
+              <a:buFont typeface="+mj-lt"/>
+              <a:buAutoNum type="arabicPeriod"/>
+            </a:pPr>
+            <a:r>
+              <a:rPr lang="en-US" sz="2933" dirty="0">
+                <a:latin typeface="Helvetica" panose="020B0604020202020204" pitchFamily="34" charset="0"/>
+                <a:cs typeface="Helvetica" panose="020B0604020202020204" pitchFamily="34" charset="0"/>
+              </a:rPr>
+              <a:t>REPET Background</a:t>
+            </a:r>
+          </a:p>
+          <a:p>
+            <a:pPr marL="1958438" lvl="1" indent="-495325">
+              <a:buFont typeface="+mj-lt"/>
+              <a:buAutoNum type="arabicPeriod"/>
+            </a:pPr>
+            <a:r>
+              <a:rPr lang="en-US" sz="2933" dirty="0">
+                <a:latin typeface="Helvetica" panose="020B0604020202020204" pitchFamily="34" charset="0"/>
+                <a:cs typeface="Helvetica" panose="020B0604020202020204" pitchFamily="34" charset="0"/>
+              </a:rPr>
+              <a:t>REPET Foreground</a:t>
+            </a:r>
+          </a:p>
+          <a:p>
+            <a:pPr marL="1958438" lvl="1" indent="-495325">
+              <a:buFont typeface="+mj-lt"/>
+              <a:buAutoNum type="arabicPeriod"/>
+            </a:pPr>
+            <a:r>
+              <a:rPr lang="en-US" sz="2933" dirty="0">
+                <a:latin typeface="Helvetica" panose="020B0604020202020204" pitchFamily="34" charset="0"/>
+                <a:cs typeface="Helvetica" panose="020B0604020202020204" pitchFamily="34" charset="0"/>
+              </a:rPr>
+              <a:t>HPSS Percussive</a:t>
+            </a:r>
+          </a:p>
+          <a:p>
+            <a:pPr marL="1958438" lvl="1" indent="-495325">
+              <a:buFont typeface="+mj-lt"/>
+              <a:buAutoNum type="arabicPeriod"/>
+            </a:pPr>
+            <a:r>
+              <a:rPr lang="en-US" sz="2933" dirty="0">
+                <a:latin typeface="Helvetica" panose="020B0604020202020204" pitchFamily="34" charset="0"/>
+                <a:cs typeface="Helvetica" panose="020B0604020202020204" pitchFamily="34" charset="0"/>
+              </a:rPr>
+              <a:t>HPSS Harmonic</a:t>
+            </a:r>
+          </a:p>
+          <a:p>
+            <a:pPr marL="1958438" lvl="1" indent="-495325">
+              <a:buFont typeface="+mj-lt"/>
+              <a:buAutoNum type="arabicPeriod"/>
+            </a:pPr>
+            <a:r>
+              <a:rPr lang="en-US" sz="2933" dirty="0">
+                <a:latin typeface="Helvetica" panose="020B0604020202020204" pitchFamily="34" charset="0"/>
+                <a:cs typeface="Helvetica" panose="020B0604020202020204" pitchFamily="34" charset="0"/>
+              </a:rPr>
+              <a:t>REPET Averaged</a:t>
+            </a:r>
+          </a:p>
+          <a:p>
+            <a:pPr marL="1958438" lvl="1" indent="-495325">
+              <a:buFont typeface="+mj-lt"/>
+              <a:buAutoNum type="arabicPeriod"/>
+            </a:pPr>
+            <a:r>
+              <a:rPr lang="en-US" sz="2933" dirty="0">
+                <a:latin typeface="Helvetica" panose="020B0604020202020204" pitchFamily="34" charset="0"/>
+                <a:cs typeface="Helvetica" panose="020B0604020202020204" pitchFamily="34" charset="0"/>
+              </a:rPr>
+              <a:t>REPET Combined</a:t>
+            </a:r>
+          </a:p>
+          <a:p>
+            <a:pPr marL="1958438" lvl="1" indent="-495325">
+              <a:buFont typeface="+mj-lt"/>
+              <a:buAutoNum type="arabicPeriod"/>
+            </a:pPr>
+            <a:r>
+              <a:rPr lang="en-US" sz="2933" dirty="0">
+                <a:latin typeface="Helvetica" panose="020B0604020202020204" pitchFamily="34" charset="0"/>
+                <a:cs typeface="Helvetica" panose="020B0604020202020204" pitchFamily="34" charset="0"/>
+              </a:rPr>
+              <a:t>HPSS Averaged</a:t>
+            </a:r>
+          </a:p>
+          <a:p>
+            <a:pPr marL="1958438" lvl="1" indent="-495325">
+              <a:buFont typeface="+mj-lt"/>
+              <a:buAutoNum type="arabicPeriod"/>
+            </a:pPr>
+            <a:r>
+              <a:rPr lang="en-US" sz="2933" dirty="0">
+                <a:latin typeface="Helvetica" panose="020B0604020202020204" pitchFamily="34" charset="0"/>
+                <a:cs typeface="Helvetica" panose="020B0604020202020204" pitchFamily="34" charset="0"/>
+              </a:rPr>
+              <a:t>HPSS Combined</a:t>
+            </a:r>
+          </a:p>
+        </p:txBody>
+      </p:sp>
       <p:pic>
         <p:nvPicPr>
-          <p:cNvPr id="12" name="Picture 11"/>
+          <p:cNvPr id="29" name="Picture 28"/>
           <p:cNvPicPr>
             <a:picLocks noChangeAspect="1"/>
           </p:cNvPicPr>
@@ -4251,795 +4935,17 @@
         </p:blipFill>
         <p:spPr>
           <a:xfrm>
-            <a:off x="36722180" y="14991571"/>
-            <a:ext cx="6134100" cy="5385399"/>
+            <a:off x="12323763" y="7521421"/>
+            <a:ext cx="8178799" cy="4372077"/>
           </a:xfrm>
           <a:prstGeom prst="rect">
             <a:avLst/>
           </a:prstGeom>
         </p:spPr>
       </p:pic>
-      <p:sp>
-        <p:nvSpPr>
-          <p:cNvPr id="34" name="TextBox 33"/>
-          <p:cNvSpPr txBox="1"/>
-          <p:nvPr/>
-        </p:nvSpPr>
-        <p:spPr>
-          <a:xfrm>
-            <a:off x="612126" y="20959086"/>
-            <a:ext cx="13716000" cy="1077218"/>
-          </a:xfrm>
-          <a:prstGeom prst="rect">
-            <a:avLst/>
-          </a:prstGeom>
-          <a:solidFill>
-            <a:srgbClr val="4E2A84"/>
-          </a:solidFill>
-        </p:spPr>
-        <p:txBody>
-          <a:bodyPr wrap="square" rtlCol="0">
-            <a:spAutoFit/>
-          </a:bodyPr>
-          <a:lstStyle/>
-          <a:p>
-            <a:pPr algn="ctr"/>
-            <a:r>
-              <a:rPr lang="en-US" sz="6200" b="1" dirty="0">
-                <a:solidFill>
-                  <a:schemeClr val="bg1"/>
-                </a:solidFill>
-                <a:latin typeface="Helvetica" panose="020B0604020202020204" pitchFamily="34" charset="0"/>
-                <a:cs typeface="Helvetica" panose="020B0604020202020204" pitchFamily="34" charset="0"/>
-              </a:rPr>
-              <a:t>Classification</a:t>
-            </a:r>
-          </a:p>
-        </p:txBody>
-      </p:sp>
-      <p:sp>
-        <p:nvSpPr>
-          <p:cNvPr id="35" name="TextBox 34"/>
-          <p:cNvSpPr txBox="1"/>
-          <p:nvPr/>
-        </p:nvSpPr>
-        <p:spPr>
-          <a:xfrm>
-            <a:off x="30199304" y="20558120"/>
-            <a:ext cx="13030200" cy="4832092"/>
-          </a:xfrm>
-          <a:prstGeom prst="rect">
-            <a:avLst/>
-          </a:prstGeom>
-          <a:solidFill>
-            <a:schemeClr val="bg1"/>
-          </a:solidFill>
-        </p:spPr>
-        <p:txBody>
-          <a:bodyPr wrap="square" rtlCol="0">
-            <a:spAutoFit/>
-          </a:bodyPr>
-          <a:lstStyle/>
-          <a:p>
-            <a:pPr algn="ctr"/>
-            <a:r>
-              <a:rPr lang="en-US" sz="4400" b="1" dirty="0">
-                <a:latin typeface="Helvetica" panose="020B0604020202020204" pitchFamily="34" charset="0"/>
-                <a:cs typeface="Helvetica" panose="020B0604020202020204" pitchFamily="34" charset="0"/>
-              </a:rPr>
-              <a:t>Conclusions</a:t>
-            </a:r>
-          </a:p>
-          <a:p>
-            <a:pPr marL="571500" indent="-571500">
-              <a:buFont typeface="Arial" panose="020B0604020202020204" pitchFamily="34" charset="0"/>
-              <a:buChar char="•"/>
-            </a:pPr>
-            <a:r>
-              <a:rPr lang="en-US" sz="4400" dirty="0">
-                <a:latin typeface="Helvetica" panose="020B0604020202020204" pitchFamily="34" charset="0"/>
-                <a:cs typeface="Helvetica" panose="020B0604020202020204" pitchFamily="34" charset="0"/>
-              </a:rPr>
-              <a:t>REPET Background and Combo marginally more accurate</a:t>
-            </a:r>
-          </a:p>
-          <a:p>
-            <a:pPr marL="571500" indent="-571500">
-              <a:buFont typeface="Arial" panose="020B0604020202020204" pitchFamily="34" charset="0"/>
-              <a:buChar char="•"/>
-            </a:pPr>
-            <a:r>
-              <a:rPr lang="en-US" sz="4400" dirty="0">
-                <a:latin typeface="Helvetica" panose="020B0604020202020204" pitchFamily="34" charset="0"/>
-                <a:cs typeface="Helvetica" panose="020B0604020202020204" pitchFamily="34" charset="0"/>
-              </a:rPr>
-              <a:t>HPSS is not more accurate</a:t>
-            </a:r>
-          </a:p>
-          <a:p>
-            <a:pPr marL="571500" indent="-571500">
-              <a:buFont typeface="Arial" panose="020B0604020202020204" pitchFamily="34" charset="0"/>
-              <a:buChar char="•"/>
-            </a:pPr>
-            <a:r>
-              <a:rPr lang="en-US" sz="4400" dirty="0">
-                <a:latin typeface="Helvetica" panose="020B0604020202020204" pitchFamily="34" charset="0"/>
-                <a:cs typeface="Helvetica" panose="020B0604020202020204" pitchFamily="34" charset="0"/>
-              </a:rPr>
-              <a:t>Classical and metal easier to classify</a:t>
-            </a:r>
-          </a:p>
-          <a:p>
-            <a:pPr marL="571500" indent="-571500">
-              <a:buFont typeface="Arial" panose="020B0604020202020204" pitchFamily="34" charset="0"/>
-              <a:buChar char="•"/>
-            </a:pPr>
-            <a:r>
-              <a:rPr lang="en-US" sz="4400" b="1" dirty="0">
-                <a:latin typeface="Helvetica" panose="020B0604020202020204" pitchFamily="34" charset="0"/>
-                <a:cs typeface="Helvetica" panose="020B0604020202020204" pitchFamily="34" charset="0"/>
-              </a:rPr>
-              <a:t>Source Separation does not have a positive effect on genre classification</a:t>
-            </a:r>
-          </a:p>
-        </p:txBody>
-      </p:sp>
-      <p:sp>
-        <p:nvSpPr>
-          <p:cNvPr id="36" name="TextBox 35"/>
-          <p:cNvSpPr txBox="1"/>
-          <p:nvPr/>
-        </p:nvSpPr>
-        <p:spPr>
-          <a:xfrm>
-            <a:off x="29879730" y="26988636"/>
-            <a:ext cx="13349773" cy="4154984"/>
-          </a:xfrm>
-          <a:prstGeom prst="rect">
-            <a:avLst/>
-          </a:prstGeom>
-          <a:solidFill>
-            <a:schemeClr val="bg1"/>
-          </a:solidFill>
-        </p:spPr>
-        <p:txBody>
-          <a:bodyPr wrap="square" rtlCol="0">
-            <a:spAutoFit/>
-          </a:bodyPr>
-          <a:lstStyle/>
-          <a:p>
-            <a:r>
-              <a:rPr lang="en-US" sz="2400" dirty="0"/>
-              <a:t>[1] G.A. </a:t>
-            </a:r>
-            <a:r>
-              <a:rPr lang="en-US" sz="2400" dirty="0" err="1"/>
-              <a:t>Tzanetakis</a:t>
-            </a:r>
-            <a:r>
-              <a:rPr lang="en-US" sz="2400" dirty="0"/>
-              <a:t>, G. </a:t>
-            </a:r>
-            <a:r>
-              <a:rPr lang="en-US" sz="2400" dirty="0" err="1"/>
-              <a:t>Essel</a:t>
-            </a:r>
-            <a:r>
-              <a:rPr lang="en-US" sz="2400" dirty="0"/>
-              <a:t>, P. Cook,  </a:t>
-            </a:r>
-            <a:r>
-              <a:rPr lang="en-US" sz="2400" i="1" dirty="0"/>
-              <a:t>Automatic Musical Genre Classification Of Audio Signals</a:t>
-            </a:r>
-            <a:endParaRPr lang="en-US" sz="2400" dirty="0"/>
-          </a:p>
-          <a:p>
-            <a:r>
-              <a:rPr lang="en-US" sz="2400" dirty="0"/>
-              <a:t>[2] G.A. </a:t>
-            </a:r>
-            <a:r>
-              <a:rPr lang="en-US" sz="2400" dirty="0" err="1"/>
-              <a:t>Tzanetakis</a:t>
-            </a:r>
-            <a:r>
-              <a:rPr lang="en-US" sz="2400" dirty="0"/>
-              <a:t>, P. Cook, </a:t>
-            </a:r>
-            <a:r>
-              <a:rPr lang="en-US" sz="2400" i="1" dirty="0"/>
-              <a:t>Musical Genre Classification of Audio Signals </a:t>
-            </a:r>
-          </a:p>
-          <a:p>
-            <a:r>
-              <a:rPr lang="en-US" sz="2400" dirty="0"/>
-              <a:t>[3] P.S. </a:t>
-            </a:r>
-            <a:r>
-              <a:rPr lang="en-US" sz="2400" dirty="0" err="1"/>
-              <a:t>Lampropoulou</a:t>
-            </a:r>
-            <a:r>
-              <a:rPr lang="en-US" sz="2400" dirty="0"/>
-              <a:t>, A.S. </a:t>
-            </a:r>
-            <a:r>
-              <a:rPr lang="en-US" sz="2400" dirty="0" err="1"/>
-              <a:t>Lampropoulos</a:t>
-            </a:r>
-            <a:r>
-              <a:rPr lang="en-US" sz="2400" dirty="0"/>
-              <a:t> and G.A. </a:t>
-            </a:r>
-            <a:r>
-              <a:rPr lang="en-US" sz="2400" dirty="0" err="1"/>
-              <a:t>Tsihrintzis</a:t>
-            </a:r>
-            <a:r>
-              <a:rPr lang="en-US" sz="2400" dirty="0"/>
-              <a:t>, </a:t>
-            </a:r>
-            <a:r>
-              <a:rPr lang="en-US" sz="2400" i="1" dirty="0"/>
-              <a:t>Musical Genre Classification of Audio Data Using Source Separation Techniques</a:t>
-            </a:r>
-            <a:endParaRPr lang="en-US" sz="2400" dirty="0"/>
-          </a:p>
-          <a:p>
-            <a:r>
-              <a:rPr lang="en-US" sz="2400" dirty="0"/>
-              <a:t>[4] C. </a:t>
-            </a:r>
-            <a:r>
-              <a:rPr lang="en-US" sz="2400" dirty="0" err="1"/>
-              <a:t>Mckay</a:t>
-            </a:r>
-            <a:r>
-              <a:rPr lang="en-US" sz="2400" dirty="0"/>
-              <a:t>, I. </a:t>
-            </a:r>
-            <a:r>
-              <a:rPr lang="en-US" sz="2400" dirty="0" err="1"/>
-              <a:t>Fujinaga</a:t>
-            </a:r>
-            <a:r>
-              <a:rPr lang="en-US" sz="2400" dirty="0"/>
-              <a:t>, </a:t>
-            </a:r>
-            <a:r>
-              <a:rPr lang="en-US" sz="2400" i="1" dirty="0"/>
-              <a:t>Automatic Genre Classification Using Large High-Level Musical Feature Sets </a:t>
-            </a:r>
-          </a:p>
-          <a:p>
-            <a:r>
-              <a:rPr lang="en-US" sz="2400" dirty="0"/>
-              <a:t>[5] Z </a:t>
-            </a:r>
-            <a:r>
-              <a:rPr lang="en-US" sz="2400" dirty="0" err="1"/>
-              <a:t>Rafii</a:t>
-            </a:r>
-            <a:r>
-              <a:rPr lang="en-US" sz="2400" dirty="0"/>
-              <a:t>, B. Pardo, </a:t>
-            </a:r>
-            <a:r>
-              <a:rPr lang="en-US" sz="2400" i="1" dirty="0" err="1"/>
-              <a:t>REpeating</a:t>
-            </a:r>
-            <a:r>
-              <a:rPr lang="en-US" sz="2400" i="1" dirty="0"/>
-              <a:t> Pattern Extraction Technique (REPET): A Simple Method for Music/Voice Separation</a:t>
-            </a:r>
-            <a:r>
-              <a:rPr lang="en-US" sz="2400" dirty="0"/>
-              <a:t> </a:t>
-            </a:r>
-          </a:p>
-          <a:p>
-            <a:r>
-              <a:rPr lang="en-US" sz="2400" dirty="0"/>
-              <a:t>[6] B. </a:t>
-            </a:r>
-            <a:r>
-              <a:rPr lang="en-US" sz="2400" dirty="0" err="1"/>
-              <a:t>McFee</a:t>
-            </a:r>
-            <a:r>
-              <a:rPr lang="en-US" sz="2400" dirty="0"/>
-              <a:t>, C. </a:t>
-            </a:r>
-            <a:r>
-              <a:rPr lang="en-US" sz="2400" dirty="0" err="1"/>
-              <a:t>Raffel</a:t>
-            </a:r>
-            <a:r>
-              <a:rPr lang="en-US" sz="2400" dirty="0"/>
-              <a:t>, D Liang, D.P.W. Ellis, M. </a:t>
-            </a:r>
-            <a:r>
-              <a:rPr lang="en-US" sz="2400" dirty="0" err="1"/>
-              <a:t>McVicar</a:t>
-            </a:r>
-            <a:r>
-              <a:rPr lang="en-US" sz="2400" dirty="0"/>
-              <a:t> , E. Battenberg, O. </a:t>
-            </a:r>
-            <a:r>
-              <a:rPr lang="en-US" sz="2400" dirty="0" err="1"/>
-              <a:t>Nietok</a:t>
-            </a:r>
-            <a:r>
-              <a:rPr lang="en-US" sz="2400" dirty="0"/>
-              <a:t>, </a:t>
-            </a:r>
-            <a:r>
-              <a:rPr lang="en-US" sz="2400" i="1" dirty="0" err="1"/>
-              <a:t>Librosa</a:t>
-            </a:r>
-            <a:r>
-              <a:rPr lang="en-US" sz="2400" i="1" dirty="0"/>
-              <a:t>: Audio and Music Signal Analysis in Python </a:t>
-            </a:r>
-          </a:p>
-          <a:p>
-            <a:r>
-              <a:rPr lang="en-US" sz="2400" dirty="0"/>
-              <a:t>[7] H. Tachibana, N. Ono, H. </a:t>
-            </a:r>
-            <a:r>
-              <a:rPr lang="en-US" sz="2400" dirty="0" err="1"/>
-              <a:t>Kameoka</a:t>
-            </a:r>
-            <a:r>
-              <a:rPr lang="en-US" sz="2400" dirty="0"/>
-              <a:t>, S. </a:t>
-            </a:r>
-            <a:r>
-              <a:rPr lang="en-US" sz="2400" dirty="0" err="1"/>
-              <a:t>Sagayama</a:t>
-            </a:r>
-            <a:r>
-              <a:rPr lang="en-US" sz="2400" dirty="0"/>
-              <a:t>, </a:t>
-            </a:r>
-            <a:r>
-              <a:rPr lang="en-US" sz="2400" i="1" dirty="0"/>
-              <a:t>Harmonic/Percussive Sound Separation Based on Anisotropic Smoothness of Spectrograms </a:t>
-            </a:r>
-            <a:endParaRPr lang="en-US" sz="2400" b="1" dirty="0">
-              <a:latin typeface="Helvetica" panose="020B0604020202020204" pitchFamily="34" charset="0"/>
-              <a:cs typeface="Helvetica" panose="020B0604020202020204" pitchFamily="34" charset="0"/>
-            </a:endParaRPr>
-          </a:p>
-        </p:txBody>
-      </p:sp>
-      <p:sp>
-        <p:nvSpPr>
-          <p:cNvPr id="40" name="TextBox 39"/>
-          <p:cNvSpPr txBox="1"/>
-          <p:nvPr/>
-        </p:nvSpPr>
-        <p:spPr>
-          <a:xfrm>
-            <a:off x="15087601" y="6009315"/>
-            <a:ext cx="13716000" cy="24468237"/>
-          </a:xfrm>
-          <a:prstGeom prst="rect">
-            <a:avLst/>
-          </a:prstGeom>
-          <a:solidFill>
-            <a:schemeClr val="bg1"/>
-          </a:solidFill>
-        </p:spPr>
-        <p:txBody>
-          <a:bodyPr wrap="square" rtlCol="0">
-            <a:spAutoFit/>
-          </a:bodyPr>
-          <a:lstStyle/>
-          <a:p>
-            <a:pPr marL="571500" indent="-571500">
-              <a:buFont typeface="Arial" panose="020B0604020202020204" pitchFamily="34" charset="0"/>
-              <a:buChar char="•"/>
-            </a:pPr>
-            <a:r>
-              <a:rPr lang="en-US" sz="4400" dirty="0">
-                <a:latin typeface="Helvetica" panose="020B0604020202020204" pitchFamily="34" charset="0"/>
-                <a:cs typeface="Helvetica" panose="020B0604020202020204" pitchFamily="34" charset="0"/>
-              </a:rPr>
-              <a:t>Used GTZAN Genre Classification dataset</a:t>
-            </a:r>
-          </a:p>
-          <a:p>
-            <a:pPr marL="2766060" lvl="1" indent="-571500">
-              <a:buFont typeface="Arial" panose="020B0604020202020204" pitchFamily="34" charset="0"/>
-              <a:buChar char="•"/>
-            </a:pPr>
-            <a:r>
-              <a:rPr lang="en-US" sz="4400" dirty="0">
-                <a:latin typeface="Helvetica" panose="020B0604020202020204" pitchFamily="34" charset="0"/>
-                <a:cs typeface="Helvetica" panose="020B0604020202020204" pitchFamily="34" charset="0"/>
-              </a:rPr>
-              <a:t>1000 audio files, each 30 seconds</a:t>
-            </a:r>
-          </a:p>
-          <a:p>
-            <a:pPr marL="2766060" lvl="1" indent="-571500">
-              <a:buFont typeface="Arial" panose="020B0604020202020204" pitchFamily="34" charset="0"/>
-              <a:buChar char="•"/>
-            </a:pPr>
-            <a:endParaRPr lang="en-US" sz="4400" dirty="0">
-              <a:latin typeface="Helvetica" panose="020B0604020202020204" pitchFamily="34" charset="0"/>
-              <a:cs typeface="Helvetica" panose="020B0604020202020204" pitchFamily="34" charset="0"/>
-            </a:endParaRPr>
-          </a:p>
-          <a:p>
-            <a:pPr marL="2766060" lvl="1" indent="-571500">
-              <a:buFont typeface="Arial" panose="020B0604020202020204" pitchFamily="34" charset="0"/>
-              <a:buChar char="•"/>
-            </a:pPr>
-            <a:endParaRPr lang="en-US" sz="4400" dirty="0">
-              <a:latin typeface="Helvetica" panose="020B0604020202020204" pitchFamily="34" charset="0"/>
-              <a:cs typeface="Helvetica" panose="020B0604020202020204" pitchFamily="34" charset="0"/>
-            </a:endParaRPr>
-          </a:p>
-          <a:p>
-            <a:pPr marL="571500" indent="-571500">
-              <a:buFont typeface="Arial" panose="020B0604020202020204" pitchFamily="34" charset="0"/>
-              <a:buChar char="•"/>
-            </a:pPr>
-            <a:endParaRPr lang="en-US" sz="4400" dirty="0">
-              <a:latin typeface="Helvetica" panose="020B0604020202020204" pitchFamily="34" charset="0"/>
-              <a:cs typeface="Helvetica" panose="020B0604020202020204" pitchFamily="34" charset="0"/>
-            </a:endParaRPr>
-          </a:p>
-          <a:p>
-            <a:pPr marL="571500" indent="-571500">
-              <a:buFont typeface="Arial" panose="020B0604020202020204" pitchFamily="34" charset="0"/>
-              <a:buChar char="•"/>
-            </a:pPr>
-            <a:r>
-              <a:rPr lang="en-US" sz="4400" dirty="0">
-                <a:latin typeface="Helvetica" panose="020B0604020202020204" pitchFamily="34" charset="0"/>
-                <a:cs typeface="Helvetica" panose="020B0604020202020204" pitchFamily="34" charset="0"/>
-              </a:rPr>
-              <a:t>Ran HPSS and REPET to get five source variations</a:t>
-            </a:r>
-          </a:p>
-          <a:p>
-            <a:pPr marL="571500" indent="-571500">
-              <a:buFont typeface="Arial" panose="020B0604020202020204" pitchFamily="34" charset="0"/>
-              <a:buChar char="•"/>
-            </a:pPr>
-            <a:r>
-              <a:rPr lang="en-US" sz="4400" dirty="0">
-                <a:latin typeface="Helvetica" panose="020B0604020202020204" pitchFamily="34" charset="0"/>
-                <a:cs typeface="Helvetica" panose="020B0604020202020204" pitchFamily="34" charset="0"/>
-              </a:rPr>
-              <a:t>Had 14 dimensional surface vector</a:t>
-            </a:r>
-          </a:p>
-          <a:p>
-            <a:pPr marL="2766060" lvl="1" indent="-571500">
-              <a:buFont typeface="Arial" panose="020B0604020202020204" pitchFamily="34" charset="0"/>
-              <a:buChar char="•"/>
-            </a:pPr>
-            <a:r>
-              <a:rPr lang="en-US" sz="4400" dirty="0">
-                <a:latin typeface="Helvetica" panose="020B0604020202020204" pitchFamily="34" charset="0"/>
-                <a:cs typeface="Helvetica" panose="020B0604020202020204" pitchFamily="34" charset="0"/>
-              </a:rPr>
-              <a:t>Broken up into surface and rhythm features</a:t>
-            </a:r>
-          </a:p>
-          <a:p>
-            <a:pPr marL="571500" indent="-571500">
-              <a:buFont typeface="Arial" panose="020B0604020202020204" pitchFamily="34" charset="0"/>
-              <a:buChar char="•"/>
-            </a:pPr>
-            <a:endParaRPr lang="en-US" sz="4400" dirty="0">
-              <a:latin typeface="Helvetica" panose="020B0604020202020204" pitchFamily="34" charset="0"/>
-              <a:cs typeface="Helvetica" panose="020B0604020202020204" pitchFamily="34" charset="0"/>
-            </a:endParaRPr>
-          </a:p>
-          <a:p>
-            <a:pPr marL="571500" indent="-571500">
-              <a:buFont typeface="Arial" panose="020B0604020202020204" pitchFamily="34" charset="0"/>
-              <a:buChar char="•"/>
-            </a:pPr>
-            <a:endParaRPr lang="en-US" sz="4400" dirty="0">
-              <a:latin typeface="Helvetica" panose="020B0604020202020204" pitchFamily="34" charset="0"/>
-              <a:cs typeface="Helvetica" panose="020B0604020202020204" pitchFamily="34" charset="0"/>
-            </a:endParaRPr>
-          </a:p>
-          <a:p>
-            <a:pPr marL="571500" indent="-571500">
-              <a:buFont typeface="Arial" panose="020B0604020202020204" pitchFamily="34" charset="0"/>
-              <a:buChar char="•"/>
-            </a:pPr>
-            <a:endParaRPr lang="en-US" sz="4400" dirty="0">
-              <a:latin typeface="Helvetica" panose="020B0604020202020204" pitchFamily="34" charset="0"/>
-              <a:cs typeface="Helvetica" panose="020B0604020202020204" pitchFamily="34" charset="0"/>
-            </a:endParaRPr>
-          </a:p>
-          <a:p>
-            <a:pPr marL="571500" indent="-571500">
-              <a:buFont typeface="Arial" panose="020B0604020202020204" pitchFamily="34" charset="0"/>
-              <a:buChar char="•"/>
-            </a:pPr>
-            <a:endParaRPr lang="en-US" sz="4400" dirty="0">
-              <a:latin typeface="Helvetica" panose="020B0604020202020204" pitchFamily="34" charset="0"/>
-              <a:cs typeface="Helvetica" panose="020B0604020202020204" pitchFamily="34" charset="0"/>
-            </a:endParaRPr>
-          </a:p>
-          <a:p>
-            <a:pPr marL="571500" indent="-571500">
-              <a:buFont typeface="Arial" panose="020B0604020202020204" pitchFamily="34" charset="0"/>
-              <a:buChar char="•"/>
-            </a:pPr>
-            <a:endParaRPr lang="en-US" sz="4400" dirty="0">
-              <a:latin typeface="Helvetica" panose="020B0604020202020204" pitchFamily="34" charset="0"/>
-              <a:cs typeface="Helvetica" panose="020B0604020202020204" pitchFamily="34" charset="0"/>
-            </a:endParaRPr>
-          </a:p>
-          <a:p>
-            <a:pPr marL="571500" indent="-571500">
-              <a:buFont typeface="Arial" panose="020B0604020202020204" pitchFamily="34" charset="0"/>
-              <a:buChar char="•"/>
-            </a:pPr>
-            <a:endParaRPr lang="en-US" sz="4400" dirty="0">
-              <a:latin typeface="Helvetica" panose="020B0604020202020204" pitchFamily="34" charset="0"/>
-              <a:cs typeface="Helvetica" panose="020B0604020202020204" pitchFamily="34" charset="0"/>
-            </a:endParaRPr>
-          </a:p>
-          <a:p>
-            <a:pPr marL="571500" indent="-571500">
-              <a:buFont typeface="Arial" panose="020B0604020202020204" pitchFamily="34" charset="0"/>
-              <a:buChar char="•"/>
-            </a:pPr>
-            <a:endParaRPr lang="en-US" sz="4400" dirty="0">
-              <a:latin typeface="Helvetica" panose="020B0604020202020204" pitchFamily="34" charset="0"/>
-              <a:cs typeface="Helvetica" panose="020B0604020202020204" pitchFamily="34" charset="0"/>
-            </a:endParaRPr>
-          </a:p>
-          <a:p>
-            <a:pPr marL="571500" indent="-571500">
-              <a:buFont typeface="Arial" panose="020B0604020202020204" pitchFamily="34" charset="0"/>
-              <a:buChar char="•"/>
-            </a:pPr>
-            <a:endParaRPr lang="en-US" sz="4400" dirty="0">
-              <a:latin typeface="Helvetica" panose="020B0604020202020204" pitchFamily="34" charset="0"/>
-              <a:cs typeface="Helvetica" panose="020B0604020202020204" pitchFamily="34" charset="0"/>
-            </a:endParaRPr>
-          </a:p>
-          <a:p>
-            <a:pPr marL="571500" indent="-571500">
-              <a:buFont typeface="Arial" panose="020B0604020202020204" pitchFamily="34" charset="0"/>
-              <a:buChar char="•"/>
-            </a:pPr>
-            <a:endParaRPr lang="en-US" sz="4400" dirty="0">
-              <a:latin typeface="Helvetica" panose="020B0604020202020204" pitchFamily="34" charset="0"/>
-              <a:cs typeface="Helvetica" panose="020B0604020202020204" pitchFamily="34" charset="0"/>
-            </a:endParaRPr>
-          </a:p>
-          <a:p>
-            <a:pPr marL="571500" indent="-571500">
-              <a:buFont typeface="Arial" panose="020B0604020202020204" pitchFamily="34" charset="0"/>
-              <a:buChar char="•"/>
-            </a:pPr>
-            <a:endParaRPr lang="en-US" sz="4400" dirty="0">
-              <a:latin typeface="Helvetica" panose="020B0604020202020204" pitchFamily="34" charset="0"/>
-              <a:cs typeface="Helvetica" panose="020B0604020202020204" pitchFamily="34" charset="0"/>
-            </a:endParaRPr>
-          </a:p>
-          <a:p>
-            <a:pPr marL="571500" indent="-571500">
-              <a:buFont typeface="Arial" panose="020B0604020202020204" pitchFamily="34" charset="0"/>
-              <a:buChar char="•"/>
-            </a:pPr>
-            <a:endParaRPr lang="en-US" sz="4400" dirty="0">
-              <a:latin typeface="Helvetica" panose="020B0604020202020204" pitchFamily="34" charset="0"/>
-              <a:cs typeface="Helvetica" panose="020B0604020202020204" pitchFamily="34" charset="0"/>
-            </a:endParaRPr>
-          </a:p>
-          <a:p>
-            <a:pPr marL="571500" indent="-571500">
-              <a:buFont typeface="Arial" panose="020B0604020202020204" pitchFamily="34" charset="0"/>
-              <a:buChar char="•"/>
-            </a:pPr>
-            <a:endParaRPr lang="en-US" sz="4400" dirty="0">
-              <a:latin typeface="Helvetica" panose="020B0604020202020204" pitchFamily="34" charset="0"/>
-              <a:cs typeface="Helvetica" panose="020B0604020202020204" pitchFamily="34" charset="0"/>
-            </a:endParaRPr>
-          </a:p>
-          <a:p>
-            <a:pPr marL="571500" indent="-571500">
-              <a:buFont typeface="Arial" panose="020B0604020202020204" pitchFamily="34" charset="0"/>
-              <a:buChar char="•"/>
-            </a:pPr>
-            <a:endParaRPr lang="en-US" sz="4400" dirty="0">
-              <a:latin typeface="Helvetica" panose="020B0604020202020204" pitchFamily="34" charset="0"/>
-              <a:cs typeface="Helvetica" panose="020B0604020202020204" pitchFamily="34" charset="0"/>
-            </a:endParaRPr>
-          </a:p>
-          <a:p>
-            <a:pPr marL="571500" indent="-571500">
-              <a:buFont typeface="Arial" panose="020B0604020202020204" pitchFamily="34" charset="0"/>
-              <a:buChar char="•"/>
-            </a:pPr>
-            <a:endParaRPr lang="en-US" sz="4400" dirty="0">
-              <a:latin typeface="Helvetica" panose="020B0604020202020204" pitchFamily="34" charset="0"/>
-              <a:cs typeface="Helvetica" panose="020B0604020202020204" pitchFamily="34" charset="0"/>
-            </a:endParaRPr>
-          </a:p>
-          <a:p>
-            <a:pPr marL="571500" indent="-571500">
-              <a:buFont typeface="Arial" panose="020B0604020202020204" pitchFamily="34" charset="0"/>
-              <a:buChar char="•"/>
-            </a:pPr>
-            <a:endParaRPr lang="en-US" sz="4400" dirty="0">
-              <a:latin typeface="Helvetica" panose="020B0604020202020204" pitchFamily="34" charset="0"/>
-              <a:cs typeface="Helvetica" panose="020B0604020202020204" pitchFamily="34" charset="0"/>
-            </a:endParaRPr>
-          </a:p>
-          <a:p>
-            <a:pPr marL="571500" indent="-571500">
-              <a:buFont typeface="Arial" panose="020B0604020202020204" pitchFamily="34" charset="0"/>
-              <a:buChar char="•"/>
-            </a:pPr>
-            <a:endParaRPr lang="en-US" sz="4400" dirty="0">
-              <a:latin typeface="Helvetica" panose="020B0604020202020204" pitchFamily="34" charset="0"/>
-              <a:cs typeface="Helvetica" panose="020B0604020202020204" pitchFamily="34" charset="0"/>
-            </a:endParaRPr>
-          </a:p>
-          <a:p>
-            <a:pPr marL="571500" indent="-571500">
-              <a:buFont typeface="Arial" panose="020B0604020202020204" pitchFamily="34" charset="0"/>
-              <a:buChar char="•"/>
-            </a:pPr>
-            <a:endParaRPr lang="en-US" sz="4400" dirty="0">
-              <a:latin typeface="Helvetica" panose="020B0604020202020204" pitchFamily="34" charset="0"/>
-              <a:cs typeface="Helvetica" panose="020B0604020202020204" pitchFamily="34" charset="0"/>
-            </a:endParaRPr>
-          </a:p>
-          <a:p>
-            <a:pPr marL="571500" indent="-571500">
-              <a:buFont typeface="Arial" panose="020B0604020202020204" pitchFamily="34" charset="0"/>
-              <a:buChar char="•"/>
-            </a:pPr>
-            <a:r>
-              <a:rPr lang="en-US" sz="4400" dirty="0">
-                <a:latin typeface="Helvetica" panose="020B0604020202020204" pitchFamily="34" charset="0"/>
-                <a:cs typeface="Helvetica" panose="020B0604020202020204" pitchFamily="34" charset="0"/>
-              </a:rPr>
-              <a:t>Created 9 datasets to run models on</a:t>
-            </a:r>
-          </a:p>
-          <a:p>
-            <a:pPr marL="2937510" lvl="1" indent="-742950">
-              <a:buFont typeface="+mj-lt"/>
-              <a:buAutoNum type="arabicPeriod"/>
-            </a:pPr>
-            <a:r>
-              <a:rPr lang="en-US" sz="4400" dirty="0">
-                <a:latin typeface="Helvetica" panose="020B0604020202020204" pitchFamily="34" charset="0"/>
-                <a:cs typeface="Helvetica" panose="020B0604020202020204" pitchFamily="34" charset="0"/>
-              </a:rPr>
-              <a:t>Control (Original Audio Files)</a:t>
-            </a:r>
-          </a:p>
-          <a:p>
-            <a:pPr marL="2937510" lvl="1" indent="-742950">
-              <a:buFont typeface="+mj-lt"/>
-              <a:buAutoNum type="arabicPeriod"/>
-            </a:pPr>
-            <a:r>
-              <a:rPr lang="en-US" sz="4400" dirty="0">
-                <a:latin typeface="Helvetica" panose="020B0604020202020204" pitchFamily="34" charset="0"/>
-                <a:cs typeface="Helvetica" panose="020B0604020202020204" pitchFamily="34" charset="0"/>
-              </a:rPr>
-              <a:t>REPET Background</a:t>
-            </a:r>
-          </a:p>
-          <a:p>
-            <a:pPr marL="2937510" lvl="1" indent="-742950">
-              <a:buFont typeface="+mj-lt"/>
-              <a:buAutoNum type="arabicPeriod"/>
-            </a:pPr>
-            <a:r>
-              <a:rPr lang="en-US" sz="4400" dirty="0">
-                <a:latin typeface="Helvetica" panose="020B0604020202020204" pitchFamily="34" charset="0"/>
-                <a:cs typeface="Helvetica" panose="020B0604020202020204" pitchFamily="34" charset="0"/>
-              </a:rPr>
-              <a:t>REPET Foreground</a:t>
-            </a:r>
-          </a:p>
-          <a:p>
-            <a:pPr marL="2937510" lvl="1" indent="-742950">
-              <a:buFont typeface="+mj-lt"/>
-              <a:buAutoNum type="arabicPeriod"/>
-            </a:pPr>
-            <a:r>
-              <a:rPr lang="en-US" sz="4400" dirty="0">
-                <a:latin typeface="Helvetica" panose="020B0604020202020204" pitchFamily="34" charset="0"/>
-                <a:cs typeface="Helvetica" panose="020B0604020202020204" pitchFamily="34" charset="0"/>
-              </a:rPr>
-              <a:t>HPSS Percussive</a:t>
-            </a:r>
-          </a:p>
-          <a:p>
-            <a:pPr marL="2937510" lvl="1" indent="-742950">
-              <a:buFont typeface="+mj-lt"/>
-              <a:buAutoNum type="arabicPeriod"/>
-            </a:pPr>
-            <a:r>
-              <a:rPr lang="en-US" sz="4400" dirty="0">
-                <a:latin typeface="Helvetica" panose="020B0604020202020204" pitchFamily="34" charset="0"/>
-                <a:cs typeface="Helvetica" panose="020B0604020202020204" pitchFamily="34" charset="0"/>
-              </a:rPr>
-              <a:t>HPSS Harmonic</a:t>
-            </a:r>
-          </a:p>
-          <a:p>
-            <a:pPr marL="2937510" lvl="1" indent="-742950">
-              <a:buFont typeface="+mj-lt"/>
-              <a:buAutoNum type="arabicPeriod"/>
-            </a:pPr>
-            <a:r>
-              <a:rPr lang="en-US" sz="4400" dirty="0">
-                <a:latin typeface="Helvetica" panose="020B0604020202020204" pitchFamily="34" charset="0"/>
-                <a:cs typeface="Helvetica" panose="020B0604020202020204" pitchFamily="34" charset="0"/>
-              </a:rPr>
-              <a:t>REPET Averaged</a:t>
-            </a:r>
-          </a:p>
-          <a:p>
-            <a:pPr marL="2937510" lvl="1" indent="-742950">
-              <a:buFont typeface="+mj-lt"/>
-              <a:buAutoNum type="arabicPeriod"/>
-            </a:pPr>
-            <a:r>
-              <a:rPr lang="en-US" sz="4400" dirty="0">
-                <a:latin typeface="Helvetica" panose="020B0604020202020204" pitchFamily="34" charset="0"/>
-                <a:cs typeface="Helvetica" panose="020B0604020202020204" pitchFamily="34" charset="0"/>
-              </a:rPr>
-              <a:t>REPET Combined</a:t>
-            </a:r>
-          </a:p>
-          <a:p>
-            <a:pPr marL="2937510" lvl="1" indent="-742950">
-              <a:buFont typeface="+mj-lt"/>
-              <a:buAutoNum type="arabicPeriod"/>
-            </a:pPr>
-            <a:r>
-              <a:rPr lang="en-US" sz="4400" dirty="0">
-                <a:latin typeface="Helvetica" panose="020B0604020202020204" pitchFamily="34" charset="0"/>
-                <a:cs typeface="Helvetica" panose="020B0604020202020204" pitchFamily="34" charset="0"/>
-              </a:rPr>
-              <a:t>HPSS Averaged</a:t>
-            </a:r>
-          </a:p>
-          <a:p>
-            <a:pPr marL="2937510" lvl="1" indent="-742950">
-              <a:buFont typeface="+mj-lt"/>
-              <a:buAutoNum type="arabicPeriod"/>
-            </a:pPr>
-            <a:r>
-              <a:rPr lang="en-US" sz="4400" dirty="0">
-                <a:latin typeface="Helvetica" panose="020B0604020202020204" pitchFamily="34" charset="0"/>
-                <a:cs typeface="Helvetica" panose="020B0604020202020204" pitchFamily="34" charset="0"/>
-              </a:rPr>
-              <a:t>HPSS Combined</a:t>
-            </a:r>
-          </a:p>
-        </p:txBody>
-      </p:sp>
       <p:pic>
         <p:nvPicPr>
-          <p:cNvPr id="29" name="Picture 28"/>
+          <p:cNvPr id="31" name="Picture 30"/>
           <p:cNvPicPr>
             <a:picLocks noChangeAspect="1"/>
           </p:cNvPicPr>
@@ -5059,8 +4965,8 @@
         </p:blipFill>
         <p:spPr>
           <a:xfrm>
-            <a:off x="15770679" y="11500295"/>
-            <a:ext cx="12268199" cy="6558115"/>
+            <a:off x="12323763" y="12058348"/>
+            <a:ext cx="8203687" cy="2777024"/>
           </a:xfrm>
           <a:prstGeom prst="rect">
             <a:avLst/>
@@ -5069,7 +4975,7 @@
       </p:pic>
       <p:pic>
         <p:nvPicPr>
-          <p:cNvPr id="31" name="Picture 30"/>
+          <p:cNvPr id="14" name="Picture 13"/>
           <p:cNvPicPr>
             <a:picLocks noChangeAspect="1"/>
           </p:cNvPicPr>
@@ -5089,44 +4995,14 @@
         </p:blipFill>
         <p:spPr>
           <a:xfrm>
-            <a:off x="15770679" y="18305686"/>
-            <a:ext cx="12305531" cy="4165536"/>
+            <a:off x="11834740" y="5023782"/>
+            <a:ext cx="9156845" cy="872080"/>
           </a:xfrm>
           <a:prstGeom prst="rect">
             <a:avLst/>
           </a:prstGeom>
         </p:spPr>
       </p:pic>
-      <p:pic>
-        <p:nvPicPr>
-          <p:cNvPr id="14" name="Picture 13"/>
-          <p:cNvPicPr>
-            <a:picLocks noChangeAspect="1"/>
-          </p:cNvPicPr>
-          <p:nvPr/>
-        </p:nvPicPr>
-        <p:blipFill>
-          <a:blip r:embed="rId10">
-            <a:extLst>
-              <a:ext uri="{28A0092B-C50C-407E-A947-70E740481C1C}">
-                <a14:useLocalDpi xmlns:a14="http://schemas.microsoft.com/office/drawing/2010/main" val="0"/>
-              </a:ext>
-            </a:extLst>
-          </a:blip>
-          <a:stretch>
-            <a:fillRect/>
-          </a:stretch>
-        </p:blipFill>
-        <p:spPr>
-          <a:xfrm>
-            <a:off x="15037145" y="7753838"/>
-            <a:ext cx="13735268" cy="1308120"/>
-          </a:xfrm>
-          <a:prstGeom prst="rect">
-            <a:avLst/>
-          </a:prstGeom>
-        </p:spPr>
-      </p:pic>
       <p:sp>
         <p:nvSpPr>
           <p:cNvPr id="51" name="TextBox 50"/>
@@ -5135,8 +5011,8 @@
         </p:nvSpPr>
         <p:spPr>
           <a:xfrm>
-            <a:off x="606110" y="22969915"/>
-            <a:ext cx="13379116" cy="4154984"/>
+            <a:off x="1215189" y="15319724"/>
+            <a:ext cx="8919411" cy="2800382"/>
           </a:xfrm>
           <a:prstGeom prst="rect">
             <a:avLst/>
@@ -5151,12 +5027,12 @@
           </a:bodyPr>
           <a:lstStyle/>
           <a:p>
-            <a:pPr marL="571500" indent="-571500">
+            <a:pPr marL="381019" indent="-381019">
               <a:buFont typeface="Arial" panose="020B0604020202020204" pitchFamily="34" charset="0"/>
               <a:buChar char="•"/>
             </a:pPr>
             <a:r>
-              <a:rPr lang="en-US" sz="4400" dirty="0">
+              <a:rPr lang="en-US" sz="2933" dirty="0">
                 <a:latin typeface="Helvetica" panose="020B0604020202020204" pitchFamily="34" charset="0"/>
                 <a:cs typeface="Helvetica" panose="020B0604020202020204" pitchFamily="34" charset="0"/>
               </a:rPr>
@@ -5164,12 +5040,12 @@
             </a:r>
           </a:p>
           <a:p>
-            <a:pPr marL="2937510" lvl="1" indent="-742950">
+            <a:pPr marL="1958438" lvl="1" indent="-495325">
               <a:buFont typeface="+mj-lt"/>
               <a:buAutoNum type="arabicPeriod"/>
             </a:pPr>
             <a:r>
-              <a:rPr lang="en-US" sz="4400" dirty="0">
+              <a:rPr lang="en-US" sz="2933" dirty="0">
                 <a:latin typeface="Helvetica" panose="020B0604020202020204" pitchFamily="34" charset="0"/>
                 <a:cs typeface="Helvetica" panose="020B0604020202020204" pitchFamily="34" charset="0"/>
               </a:rPr>
@@ -5177,12 +5053,12 @@
             </a:r>
           </a:p>
           <a:p>
-            <a:pPr marL="2937510" lvl="1" indent="-742950">
+            <a:pPr marL="1958438" lvl="1" indent="-495325">
               <a:buFont typeface="+mj-lt"/>
               <a:buAutoNum type="arabicPeriod"/>
             </a:pPr>
             <a:r>
-              <a:rPr lang="en-US" sz="4400" dirty="0">
+              <a:rPr lang="en-US" sz="2933" dirty="0">
                 <a:latin typeface="Helvetica" panose="020B0604020202020204" pitchFamily="34" charset="0"/>
                 <a:cs typeface="Helvetica" panose="020B0604020202020204" pitchFamily="34" charset="0"/>
               </a:rPr>
@@ -5190,12 +5066,12 @@
             </a:r>
           </a:p>
           <a:p>
-            <a:pPr marL="2937510" lvl="1" indent="-742950">
+            <a:pPr marL="1958438" lvl="1" indent="-495325">
               <a:buFont typeface="+mj-lt"/>
               <a:buAutoNum type="arabicPeriod"/>
             </a:pPr>
             <a:r>
-              <a:rPr lang="en-US" sz="4400" dirty="0">
+              <a:rPr lang="en-US" sz="2933" dirty="0">
                 <a:latin typeface="Helvetica" panose="020B0604020202020204" pitchFamily="34" charset="0"/>
                 <a:cs typeface="Helvetica" panose="020B0604020202020204" pitchFamily="34" charset="0"/>
               </a:rPr>
@@ -5203,12 +5079,12 @@
             </a:r>
           </a:p>
           <a:p>
-            <a:pPr marL="742950" indent="-742950">
+            <a:pPr marL="495325" indent="-495325">
               <a:buFont typeface="Arial" panose="020B0604020202020204" pitchFamily="34" charset="0"/>
               <a:buChar char="•"/>
             </a:pPr>
             <a:r>
-              <a:rPr lang="en-US" sz="4400" dirty="0">
+              <a:rPr lang="en-US" sz="2933" dirty="0">
                 <a:latin typeface="Helvetica" panose="020B0604020202020204" pitchFamily="34" charset="0"/>
                 <a:cs typeface="Helvetica" panose="020B0604020202020204" pitchFamily="34" charset="0"/>
               </a:rPr>
@@ -5216,12 +5092,12 @@
             </a:r>
           </a:p>
           <a:p>
-            <a:pPr marL="742950" indent="-742950">
+            <a:pPr marL="495325" indent="-495325">
               <a:buFont typeface="Arial" panose="020B0604020202020204" pitchFamily="34" charset="0"/>
               <a:buChar char="•"/>
             </a:pPr>
             <a:r>
-              <a:rPr lang="en-US" sz="4400" dirty="0">
+              <a:rPr lang="en-US" sz="2933" dirty="0">
                 <a:latin typeface="Helvetica" panose="020B0604020202020204" pitchFamily="34" charset="0"/>
                 <a:cs typeface="Helvetica" panose="020B0604020202020204" pitchFamily="34" charset="0"/>
               </a:rPr>
@@ -5239,7 +5115,7 @@
           <p:nvPr/>
         </p:nvPicPr>
         <p:blipFill>
-          <a:blip r:embed="rId11">
+          <a:blip r:embed="rId10">
             <a:extLst>
               <a:ext uri="{28A0092B-C50C-407E-A947-70E740481C1C}">
                 <a14:useLocalDpi xmlns:a14="http://schemas.microsoft.com/office/drawing/2010/main" val="0"/>
@@ -5253,8 +5129,8 @@
         </p:blipFill>
         <p:spPr bwMode="auto">
           <a:xfrm>
-            <a:off x="971068" y="28655233"/>
-            <a:ext cx="9782898" cy="3039066"/>
+            <a:off x="1458495" y="19109936"/>
+            <a:ext cx="6521932" cy="2026044"/>
           </a:xfrm>
           <a:prstGeom prst="rect">
             <a:avLst/>
